--- a/big_o_notation_techtalk.pptx
+++ b/big_o_notation_techtalk.pptx
@@ -5,10 +5,10 @@
     <p:sldMasterId id="2147483658" r:id="rId4"/>
   </p:sldMasterIdLst>
   <p:notesMasterIdLst>
-    <p:notesMasterId r:id="rId23"/>
+    <p:notesMasterId r:id="rId14"/>
   </p:notesMasterIdLst>
   <p:handoutMasterIdLst>
-    <p:handoutMasterId r:id="rId24"/>
+    <p:handoutMasterId r:id="rId15"/>
   </p:handoutMasterIdLst>
   <p:sldIdLst>
     <p:sldId id="350" r:id="rId5"/>
@@ -19,16 +19,7 @@
     <p:sldId id="352" r:id="rId10"/>
     <p:sldId id="361" r:id="rId11"/>
     <p:sldId id="369" r:id="rId12"/>
-    <p:sldId id="334" r:id="rId13"/>
-    <p:sldId id="354" r:id="rId14"/>
-    <p:sldId id="365" r:id="rId15"/>
-    <p:sldId id="368" r:id="rId16"/>
-    <p:sldId id="356" r:id="rId17"/>
-    <p:sldId id="357" r:id="rId18"/>
-    <p:sldId id="362" r:id="rId19"/>
-    <p:sldId id="363" r:id="rId20"/>
-    <p:sldId id="364" r:id="rId21"/>
-    <p:sldId id="343" r:id="rId22"/>
+    <p:sldId id="365" r:id="rId13"/>
   </p:sldIdLst>
   <p:sldSz cx="12192000" cy="6858000"/>
   <p:notesSz cx="6858000" cy="9144000"/>
@@ -274,7 +265,7 @@
           </a:lstStyle>
           <a:p>
             <a:fld id="{8E6D13E5-4CEC-3A4A-8E5D-AFCEE7512EEC}" type="slidenum">
-              <a:t>‹N°›</a:t>
+              <a:t>‹#›</a:t>
             </a:fld>
             <a:endParaRPr lang="en-US" dirty="0"/>
           </a:p>
@@ -373,7 +364,7 @@
           <a:p>
             <a:fld id="{6EE7A52F-9D89-7442-A8E9-48D1527B5F6B}" type="datetimeFigureOut">
               <a:rPr lang="en-US" smtClean="0"/>
-              <a:t>2/23/2022</a:t>
+              <a:t>2/24/2022</a:t>
             </a:fld>
             <a:endParaRPr lang="en-US" dirty="0"/>
           </a:p>
@@ -531,7 +522,7 @@
           <a:p>
             <a:fld id="{A89C7E07-3C67-C64C-8DA0-0404F6303970}" type="slidenum">
               <a:rPr lang="en-US" smtClean="0"/>
-              <a:t>‹N°›</a:t>
+              <a:t>‹#›</a:t>
             </a:fld>
             <a:endParaRPr lang="en-US" dirty="0"/>
           </a:p>
@@ -724,174 +715,6 @@
 </p:notes>
 </file>
 
-<file path=ppt/notesSlides/notesSlide2.xml><?xml version="1.0" encoding="utf-8"?>
-<p:notes xmlns:a="http://schemas.openxmlformats.org/drawingml/2006/main" xmlns:r="http://schemas.openxmlformats.org/officeDocument/2006/relationships" xmlns:p="http://schemas.openxmlformats.org/presentationml/2006/main">
-  <p:cSld>
-    <p:spTree>
-      <p:nvGrpSpPr>
-        <p:cNvPr id="1" name=""/>
-        <p:cNvGrpSpPr/>
-        <p:nvPr/>
-      </p:nvGrpSpPr>
-      <p:grpSpPr>
-        <a:xfrm>
-          <a:off x="0" y="0"/>
-          <a:ext cx="0" cy="0"/>
-          <a:chOff x="0" y="0"/>
-          <a:chExt cx="0" cy="0"/>
-        </a:xfrm>
-      </p:grpSpPr>
-      <p:sp>
-        <p:nvSpPr>
-          <p:cNvPr id="2" name="Slide Image Placeholder 1"/>
-          <p:cNvSpPr>
-            <a:spLocks noGrp="1" noRot="1" noChangeAspect="1"/>
-          </p:cNvSpPr>
-          <p:nvPr>
-            <p:ph type="sldImg"/>
-          </p:nvPr>
-        </p:nvSpPr>
-        <p:spPr/>
-      </p:sp>
-      <p:sp>
-        <p:nvSpPr>
-          <p:cNvPr id="3" name="Notes Placeholder 2"/>
-          <p:cNvSpPr>
-            <a:spLocks noGrp="1"/>
-          </p:cNvSpPr>
-          <p:nvPr>
-            <p:ph type="body" idx="1"/>
-          </p:nvPr>
-        </p:nvSpPr>
-        <p:spPr/>
-        <p:txBody>
-          <a:bodyPr/>
-          <a:lstStyle/>
-          <a:p>
-            <a:endParaRPr lang="en-US" dirty="0"/>
-          </a:p>
-        </p:txBody>
-      </p:sp>
-      <p:sp>
-        <p:nvSpPr>
-          <p:cNvPr id="4" name="Slide Number Placeholder 3"/>
-          <p:cNvSpPr>
-            <a:spLocks noGrp="1"/>
-          </p:cNvSpPr>
-          <p:nvPr>
-            <p:ph type="sldNum" sz="quarter" idx="5"/>
-          </p:nvPr>
-        </p:nvSpPr>
-        <p:spPr/>
-        <p:txBody>
-          <a:bodyPr/>
-          <a:lstStyle/>
-          <a:p>
-            <a:fld id="{A89C7E07-3C67-C64C-8DA0-0404F6303970}" type="slidenum">
-              <a:rPr lang="en-US" smtClean="0"/>
-              <a:t>9</a:t>
-            </a:fld>
-            <a:endParaRPr lang="en-US" dirty="0"/>
-          </a:p>
-        </p:txBody>
-      </p:sp>
-    </p:spTree>
-    <p:extLst>
-      <p:ext uri="{BB962C8B-B14F-4D97-AF65-F5344CB8AC3E}">
-        <p14:creationId xmlns:p14="http://schemas.microsoft.com/office/powerpoint/2010/main" val="4285802301"/>
-      </p:ext>
-    </p:extLst>
-  </p:cSld>
-  <p:clrMapOvr>
-    <a:masterClrMapping/>
-  </p:clrMapOvr>
-</p:notes>
-</file>
-
-<file path=ppt/notesSlides/notesSlide3.xml><?xml version="1.0" encoding="utf-8"?>
-<p:notes xmlns:a="http://schemas.openxmlformats.org/drawingml/2006/main" xmlns:r="http://schemas.openxmlformats.org/officeDocument/2006/relationships" xmlns:p="http://schemas.openxmlformats.org/presentationml/2006/main">
-  <p:cSld>
-    <p:spTree>
-      <p:nvGrpSpPr>
-        <p:cNvPr id="1" name=""/>
-        <p:cNvGrpSpPr/>
-        <p:nvPr/>
-      </p:nvGrpSpPr>
-      <p:grpSpPr>
-        <a:xfrm>
-          <a:off x="0" y="0"/>
-          <a:ext cx="0" cy="0"/>
-          <a:chOff x="0" y="0"/>
-          <a:chExt cx="0" cy="0"/>
-        </a:xfrm>
-      </p:grpSpPr>
-      <p:sp>
-        <p:nvSpPr>
-          <p:cNvPr id="2" name="Slide Image Placeholder 1"/>
-          <p:cNvSpPr>
-            <a:spLocks noGrp="1" noRot="1" noChangeAspect="1"/>
-          </p:cNvSpPr>
-          <p:nvPr>
-            <p:ph type="sldImg"/>
-          </p:nvPr>
-        </p:nvSpPr>
-        <p:spPr/>
-      </p:sp>
-      <p:sp>
-        <p:nvSpPr>
-          <p:cNvPr id="3" name="Notes Placeholder 2"/>
-          <p:cNvSpPr>
-            <a:spLocks noGrp="1"/>
-          </p:cNvSpPr>
-          <p:nvPr>
-            <p:ph type="body" idx="1"/>
-          </p:nvPr>
-        </p:nvSpPr>
-        <p:spPr/>
-        <p:txBody>
-          <a:bodyPr/>
-          <a:lstStyle/>
-          <a:p>
-            <a:endParaRPr lang="en-US" dirty="0"/>
-          </a:p>
-        </p:txBody>
-      </p:sp>
-      <p:sp>
-        <p:nvSpPr>
-          <p:cNvPr id="4" name="Slide Number Placeholder 3"/>
-          <p:cNvSpPr>
-            <a:spLocks noGrp="1"/>
-          </p:cNvSpPr>
-          <p:nvPr>
-            <p:ph type="sldNum" sz="quarter" idx="5"/>
-          </p:nvPr>
-        </p:nvSpPr>
-        <p:spPr/>
-        <p:txBody>
-          <a:bodyPr/>
-          <a:lstStyle/>
-          <a:p>
-            <a:fld id="{A89C7E07-3C67-C64C-8DA0-0404F6303970}" type="slidenum">
-              <a:rPr lang="en-US" smtClean="0"/>
-              <a:t>18</a:t>
-            </a:fld>
-            <a:endParaRPr lang="en-US" dirty="0"/>
-          </a:p>
-        </p:txBody>
-      </p:sp>
-    </p:spTree>
-    <p:extLst>
-      <p:ext uri="{BB962C8B-B14F-4D97-AF65-F5344CB8AC3E}">
-        <p14:creationId xmlns:p14="http://schemas.microsoft.com/office/powerpoint/2010/main" val="18238997"/>
-      </p:ext>
-    </p:extLst>
-  </p:cSld>
-  <p:clrMapOvr>
-    <a:masterClrMapping/>
-  </p:clrMapOvr>
-</p:notes>
-</file>
-
 <file path=ppt/slideLayouts/slideLayout1.xml><?xml version="1.0" encoding="utf-8"?>
 <p:sldLayout xmlns:a="http://schemas.openxmlformats.org/drawingml/2006/main" xmlns:r="http://schemas.openxmlformats.org/officeDocument/2006/relationships" xmlns:p="http://schemas.openxmlformats.org/presentationml/2006/main" preserve="1" userDrawn="1">
   <p:cSld name="Title">
@@ -2255,7 +2078,7 @@
             <a:fld id="{294A09A9-5501-47C1-A89A-A340965A2BE2}" type="slidenum">
               <a:rPr lang="en-US" smtClean="0"/>
               <a:pPr/>
-              <a:t>‹N°›</a:t>
+              <a:t>‹#›</a:t>
             </a:fld>
             <a:endParaRPr lang="en-US" dirty="0">
               <a:latin typeface="+mn-lt"/>
@@ -3376,7 +3199,7 @@
             <a:fld id="{294A09A9-5501-47C1-A89A-A340965A2BE2}" type="slidenum">
               <a:rPr lang="en-US" smtClean="0"/>
               <a:pPr/>
-              <a:t>‹N°›</a:t>
+              <a:t>‹#›</a:t>
             </a:fld>
             <a:endParaRPr lang="en-US" dirty="0">
               <a:latin typeface="+mn-lt"/>
@@ -4496,7 +4319,7 @@
             <a:fld id="{294A09A9-5501-47C1-A89A-A340965A2BE2}" type="slidenum">
               <a:rPr lang="en-US" smtClean="0"/>
               <a:pPr/>
-              <a:t>‹N°›</a:t>
+              <a:t>‹#›</a:t>
             </a:fld>
             <a:endParaRPr lang="en-US" dirty="0">
               <a:latin typeface="+mn-lt"/>
@@ -6785,7 +6608,7 @@
             <a:fld id="{294A09A9-5501-47C1-A89A-A340965A2BE2}" type="slidenum">
               <a:rPr lang="en-US" smtClean="0"/>
               <a:pPr/>
-              <a:t>‹N°›</a:t>
+              <a:t>‹#›</a:t>
             </a:fld>
             <a:endParaRPr lang="en-US" dirty="0">
               <a:latin typeface="+mn-lt"/>
@@ -7411,7 +7234,7 @@
             <a:fld id="{294A09A9-5501-47C1-A89A-A340965A2BE2}" type="slidenum">
               <a:rPr lang="en-US" smtClean="0"/>
               <a:pPr/>
-              <a:t>‹N°›</a:t>
+              <a:t>‹#›</a:t>
             </a:fld>
             <a:endParaRPr lang="en-US" dirty="0">
               <a:latin typeface="+mn-lt"/>
@@ -8172,7 +7995,7 @@
             <a:fld id="{294A09A9-5501-47C1-A89A-A340965A2BE2}" type="slidenum">
               <a:rPr lang="en-US" smtClean="0"/>
               <a:pPr/>
-              <a:t>‹N°›</a:t>
+              <a:t>‹#›</a:t>
             </a:fld>
             <a:endParaRPr lang="en-US" dirty="0">
               <a:latin typeface="+mn-lt"/>
@@ -8427,7 +8250,7 @@
             <a:fld id="{294A09A9-5501-47C1-A89A-A340965A2BE2}" type="slidenum">
               <a:rPr lang="en-US" smtClean="0"/>
               <a:pPr/>
-              <a:t>‹N°›</a:t>
+              <a:t>‹#›</a:t>
             </a:fld>
             <a:endParaRPr lang="en-US" dirty="0">
               <a:latin typeface="+mn-lt"/>
@@ -11341,7 +11164,7 @@
             <a:fld id="{294A09A9-5501-47C1-A89A-A340965A2BE2}" type="slidenum">
               <a:rPr lang="en-US" smtClean="0"/>
               <a:pPr/>
-              <a:t>‹N°›</a:t>
+              <a:t>‹#›</a:t>
             </a:fld>
             <a:endParaRPr lang="en-US" dirty="0">
               <a:latin typeface="+mn-lt"/>
@@ -12507,7 +12330,7 @@
             <a:fld id="{294A09A9-5501-47C1-A89A-A340965A2BE2}" type="slidenum">
               <a:rPr lang="en-US" smtClean="0"/>
               <a:pPr/>
-              <a:t>‹N°›</a:t>
+              <a:t>‹#›</a:t>
             </a:fld>
             <a:endParaRPr lang="en-US" dirty="0">
               <a:latin typeface="+mn-lt"/>
@@ -12848,7 +12671,7 @@
             <a:fld id="{294A09A9-5501-47C1-A89A-A340965A2BE2}" type="slidenum">
               <a:rPr lang="en-US" smtClean="0"/>
               <a:pPr/>
-              <a:t>‹N°›</a:t>
+              <a:t>‹#›</a:t>
             </a:fld>
             <a:endParaRPr lang="en-US" dirty="0">
               <a:latin typeface="+mn-lt"/>
@@ -13418,3749 +13241,6 @@
     <p:extLst>
       <p:ext uri="{BB962C8B-B14F-4D97-AF65-F5344CB8AC3E}">
         <p14:creationId xmlns:p14="http://schemas.microsoft.com/office/powerpoint/2010/main" val="2960950710"/>
-      </p:ext>
-    </p:extLst>
-  </p:cSld>
-  <p:clrMapOvr>
-    <a:masterClrMapping/>
-  </p:clrMapOvr>
-</p:sld>
-</file>
-
-<file path=ppt/slides/slide10.xml><?xml version="1.0" encoding="utf-8"?>
-<p:sld xmlns:a="http://schemas.openxmlformats.org/drawingml/2006/main" xmlns:r="http://schemas.openxmlformats.org/officeDocument/2006/relationships" xmlns:p="http://schemas.openxmlformats.org/presentationml/2006/main">
-  <p:cSld>
-    <p:spTree>
-      <p:nvGrpSpPr>
-        <p:cNvPr id="1" name=""/>
-        <p:cNvGrpSpPr/>
-        <p:nvPr/>
-      </p:nvGrpSpPr>
-      <p:grpSpPr>
-        <a:xfrm>
-          <a:off x="0" y="0"/>
-          <a:ext cx="0" cy="0"/>
-          <a:chOff x="0" y="0"/>
-          <a:chExt cx="0" cy="0"/>
-        </a:xfrm>
-      </p:grpSpPr>
-      <p:sp>
-        <p:nvSpPr>
-          <p:cNvPr id="2" name="Title 1">
-            <a:extLst>
-              <a:ext uri="{FF2B5EF4-FFF2-40B4-BE49-F238E27FC236}">
-                <a16:creationId xmlns:a16="http://schemas.microsoft.com/office/drawing/2014/main" id="{665CFF5F-6DFB-0D49-B8B1-661F7E7888AF}"/>
-              </a:ext>
-            </a:extLst>
-          </p:cNvPr>
-          <p:cNvSpPr>
-            <a:spLocks noGrp="1"/>
-          </p:cNvSpPr>
-          <p:nvPr>
-            <p:ph type="title"/>
-          </p:nvPr>
-        </p:nvSpPr>
-        <p:spPr>
-          <a:xfrm>
-            <a:off x="964023" y="879063"/>
-            <a:ext cx="7560545" cy="610863"/>
-          </a:xfrm>
-        </p:spPr>
-        <p:txBody>
-          <a:bodyPr>
-            <a:normAutofit/>
-          </a:bodyPr>
-          <a:lstStyle/>
-          <a:p>
-            <a:r>
-              <a:rPr lang="en-US" b="1" dirty="0"/>
-              <a:t>Growth by sector table</a:t>
-            </a:r>
-          </a:p>
-        </p:txBody>
-      </p:sp>
-      <p:graphicFrame>
-        <p:nvGraphicFramePr>
-          <p:cNvPr id="7" name="Table 4">
-            <a:extLst>
-              <a:ext uri="{FF2B5EF4-FFF2-40B4-BE49-F238E27FC236}">
-                <a16:creationId xmlns:a16="http://schemas.microsoft.com/office/drawing/2014/main" id="{F3B5A5E4-3ABE-D143-902C-F2BCA6C75EDE}"/>
-              </a:ext>
-            </a:extLst>
-          </p:cNvPr>
-          <p:cNvGraphicFramePr>
-            <a:graphicFrameLocks noGrp="1"/>
-          </p:cNvGraphicFramePr>
-          <p:nvPr>
-            <p:ph type="tbl" sz="quarter" idx="10"/>
-            <p:extLst>
-              <p:ext uri="{D42A27DB-BD31-4B8C-83A1-F6EECF244321}">
-                <p14:modId xmlns:p14="http://schemas.microsoft.com/office/powerpoint/2010/main" val="26192366"/>
-              </p:ext>
-            </p:extLst>
-          </p:nvPr>
-        </p:nvGraphicFramePr>
-        <p:xfrm>
-          <a:off x="952500" y="2209800"/>
-          <a:ext cx="10287000" cy="2368356"/>
-        </p:xfrm>
-        <a:graphic>
-          <a:graphicData uri="http://schemas.openxmlformats.org/drawingml/2006/table">
-            <a:tbl>
-              <a:tblPr firstRow="1" bandRow="1">
-                <a:tableStyleId>{2A488322-F2BA-4B5B-9748-0D474271808F}</a:tableStyleId>
-              </a:tblPr>
-              <a:tblGrid>
-                <a:gridCol w="2057400">
-                  <a:extLst>
-                    <a:ext uri="{9D8B030D-6E8A-4147-A177-3AD203B41FA5}">
-                      <a16:colId xmlns:a16="http://schemas.microsoft.com/office/drawing/2014/main" val="1689330750"/>
-                    </a:ext>
-                  </a:extLst>
-                </a:gridCol>
-                <a:gridCol w="2057400">
-                  <a:extLst>
-                    <a:ext uri="{9D8B030D-6E8A-4147-A177-3AD203B41FA5}">
-                      <a16:colId xmlns:a16="http://schemas.microsoft.com/office/drawing/2014/main" val="2660631934"/>
-                    </a:ext>
-                  </a:extLst>
-                </a:gridCol>
-                <a:gridCol w="2057400">
-                  <a:extLst>
-                    <a:ext uri="{9D8B030D-6E8A-4147-A177-3AD203B41FA5}">
-                      <a16:colId xmlns:a16="http://schemas.microsoft.com/office/drawing/2014/main" val="3909717689"/>
-                    </a:ext>
-                  </a:extLst>
-                </a:gridCol>
-                <a:gridCol w="2050297">
-                  <a:extLst>
-                    <a:ext uri="{9D8B030D-6E8A-4147-A177-3AD203B41FA5}">
-                      <a16:colId xmlns:a16="http://schemas.microsoft.com/office/drawing/2014/main" val="1603189107"/>
-                    </a:ext>
-                  </a:extLst>
-                </a:gridCol>
-                <a:gridCol w="2064503">
-                  <a:extLst>
-                    <a:ext uri="{9D8B030D-6E8A-4147-A177-3AD203B41FA5}">
-                      <a16:colId xmlns:a16="http://schemas.microsoft.com/office/drawing/2014/main" val="2755691855"/>
-                    </a:ext>
-                  </a:extLst>
-                </a:gridCol>
-              </a:tblGrid>
-              <a:tr h="592089">
-                <a:tc>
-                  <a:txBody>
-                    <a:bodyPr/>
-                    <a:lstStyle/>
-                    <a:p>
-                      <a:pPr algn="ctr"/>
-                      <a:endParaRPr lang="en-US" b="1" i="0" dirty="0">
-                        <a:solidFill>
-                          <a:schemeClr val="tx1"/>
-                        </a:solidFill>
-                        <a:latin typeface="+mn-lt"/>
-                      </a:endParaRPr>
-                    </a:p>
-                  </a:txBody>
-                  <a:tcPr anchor="ctr">
-                    <a:lnL w="12700" cap="flat" cmpd="sng" algn="ctr">
-                      <a:solidFill>
-                        <a:schemeClr val="tx1"/>
-                      </a:solidFill>
-                      <a:prstDash val="solid"/>
-                      <a:round/>
-                      <a:headEnd type="none" w="med" len="med"/>
-                      <a:tailEnd type="none" w="med" len="med"/>
-                    </a:lnL>
-                    <a:lnR w="12700" cap="flat" cmpd="sng" algn="ctr">
-                      <a:solidFill>
-                        <a:schemeClr val="tx1"/>
-                      </a:solidFill>
-                      <a:prstDash val="solid"/>
-                      <a:round/>
-                      <a:headEnd type="none" w="med" len="med"/>
-                      <a:tailEnd type="none" w="med" len="med"/>
-                    </a:lnR>
-                    <a:lnT w="12700" cap="flat" cmpd="sng" algn="ctr">
-                      <a:solidFill>
-                        <a:schemeClr val="tx1"/>
-                      </a:solidFill>
-                      <a:prstDash val="solid"/>
-                      <a:round/>
-                      <a:headEnd type="none" w="med" len="med"/>
-                      <a:tailEnd type="none" w="med" len="med"/>
-                    </a:lnT>
-                    <a:lnB w="28575" cap="flat" cmpd="sng" algn="ctr">
-                      <a:solidFill>
-                        <a:schemeClr val="tx1"/>
-                      </a:solidFill>
-                      <a:prstDash val="solid"/>
-                      <a:round/>
-                      <a:headEnd type="none" w="med" len="med"/>
-                      <a:tailEnd type="none" w="med" len="med"/>
-                    </a:lnB>
-                    <a:noFill/>
-                  </a:tcPr>
-                </a:tc>
-                <a:tc>
-                  <a:txBody>
-                    <a:bodyPr/>
-                    <a:lstStyle/>
-                    <a:p>
-                      <a:pPr algn="ctr"/>
-                      <a:r>
-                        <a:rPr lang="en-US" sz="1400" b="0" i="0" dirty="0">
-                          <a:solidFill>
-                            <a:schemeClr val="bg1"/>
-                          </a:solidFill>
-                          <a:latin typeface="+mn-lt"/>
-                        </a:rPr>
-                        <a:t>Q1</a:t>
-                      </a:r>
-                    </a:p>
-                  </a:txBody>
-                  <a:tcPr anchor="ctr">
-                    <a:lnL w="12700" cap="flat" cmpd="sng" algn="ctr">
-                      <a:solidFill>
-                        <a:schemeClr val="tx1"/>
-                      </a:solidFill>
-                      <a:prstDash val="solid"/>
-                      <a:round/>
-                      <a:headEnd type="none" w="med" len="med"/>
-                      <a:tailEnd type="none" w="med" len="med"/>
-                    </a:lnL>
-                    <a:lnR w="12700" cap="flat" cmpd="sng" algn="ctr">
-                      <a:solidFill>
-                        <a:schemeClr val="tx1"/>
-                      </a:solidFill>
-                      <a:prstDash val="solid"/>
-                      <a:round/>
-                      <a:headEnd type="none" w="med" len="med"/>
-                      <a:tailEnd type="none" w="med" len="med"/>
-                    </a:lnR>
-                    <a:lnT w="12700" cap="flat" cmpd="sng" algn="ctr">
-                      <a:solidFill>
-                        <a:schemeClr val="tx1"/>
-                      </a:solidFill>
-                      <a:prstDash val="solid"/>
-                      <a:round/>
-                      <a:headEnd type="none" w="med" len="med"/>
-                      <a:tailEnd type="none" w="med" len="med"/>
-                    </a:lnT>
-                    <a:lnB w="28575" cap="flat" cmpd="sng" algn="ctr">
-                      <a:solidFill>
-                        <a:schemeClr val="tx1"/>
-                      </a:solidFill>
-                      <a:prstDash val="solid"/>
-                      <a:round/>
-                      <a:headEnd type="none" w="med" len="med"/>
-                      <a:tailEnd type="none" w="med" len="med"/>
-                    </a:lnB>
-                    <a:noFill/>
-                  </a:tcPr>
-                </a:tc>
-                <a:tc>
-                  <a:txBody>
-                    <a:bodyPr/>
-                    <a:lstStyle/>
-                    <a:p>
-                      <a:pPr algn="ctr"/>
-                      <a:r>
-                        <a:rPr lang="en-US" sz="1400" b="0" i="0" dirty="0">
-                          <a:solidFill>
-                            <a:schemeClr val="bg1"/>
-                          </a:solidFill>
-                          <a:latin typeface="+mn-lt"/>
-                        </a:rPr>
-                        <a:t>Q2</a:t>
-                      </a:r>
-                    </a:p>
-                  </a:txBody>
-                  <a:tcPr anchor="ctr">
-                    <a:lnL w="12700" cap="flat" cmpd="sng" algn="ctr">
-                      <a:solidFill>
-                        <a:schemeClr val="tx1"/>
-                      </a:solidFill>
-                      <a:prstDash val="solid"/>
-                      <a:round/>
-                      <a:headEnd type="none" w="med" len="med"/>
-                      <a:tailEnd type="none" w="med" len="med"/>
-                    </a:lnL>
-                    <a:lnR w="12700" cap="flat" cmpd="sng" algn="ctr">
-                      <a:solidFill>
-                        <a:schemeClr val="tx1"/>
-                      </a:solidFill>
-                      <a:prstDash val="solid"/>
-                      <a:round/>
-                      <a:headEnd type="none" w="med" len="med"/>
-                      <a:tailEnd type="none" w="med" len="med"/>
-                    </a:lnR>
-                    <a:lnT w="12700" cap="flat" cmpd="sng" algn="ctr">
-                      <a:solidFill>
-                        <a:schemeClr val="tx1"/>
-                      </a:solidFill>
-                      <a:prstDash val="solid"/>
-                      <a:round/>
-                      <a:headEnd type="none" w="med" len="med"/>
-                      <a:tailEnd type="none" w="med" len="med"/>
-                    </a:lnT>
-                    <a:lnB w="28575" cap="flat" cmpd="sng" algn="ctr">
-                      <a:solidFill>
-                        <a:schemeClr val="tx1"/>
-                      </a:solidFill>
-                      <a:prstDash val="solid"/>
-                      <a:round/>
-                      <a:headEnd type="none" w="med" len="med"/>
-                      <a:tailEnd type="none" w="med" len="med"/>
-                    </a:lnB>
-                    <a:noFill/>
-                  </a:tcPr>
-                </a:tc>
-                <a:tc>
-                  <a:txBody>
-                    <a:bodyPr/>
-                    <a:lstStyle/>
-                    <a:p>
-                      <a:pPr algn="ctr"/>
-                      <a:r>
-                        <a:rPr lang="en-US" sz="1400" b="0" i="0" dirty="0">
-                          <a:solidFill>
-                            <a:schemeClr val="bg1"/>
-                          </a:solidFill>
-                          <a:latin typeface="+mn-lt"/>
-                        </a:rPr>
-                        <a:t>Q3</a:t>
-                      </a:r>
-                    </a:p>
-                  </a:txBody>
-                  <a:tcPr anchor="ctr">
-                    <a:lnL w="12700" cap="flat" cmpd="sng" algn="ctr">
-                      <a:solidFill>
-                        <a:schemeClr val="tx1"/>
-                      </a:solidFill>
-                      <a:prstDash val="solid"/>
-                      <a:round/>
-                      <a:headEnd type="none" w="med" len="med"/>
-                      <a:tailEnd type="none" w="med" len="med"/>
-                    </a:lnL>
-                    <a:lnR w="12700" cap="flat" cmpd="sng" algn="ctr">
-                      <a:solidFill>
-                        <a:schemeClr val="tx1"/>
-                      </a:solidFill>
-                      <a:prstDash val="solid"/>
-                      <a:round/>
-                      <a:headEnd type="none" w="med" len="med"/>
-                      <a:tailEnd type="none" w="med" len="med"/>
-                    </a:lnR>
-                    <a:lnT w="12700" cap="flat" cmpd="sng" algn="ctr">
-                      <a:solidFill>
-                        <a:schemeClr val="tx1"/>
-                      </a:solidFill>
-                      <a:prstDash val="solid"/>
-                      <a:round/>
-                      <a:headEnd type="none" w="med" len="med"/>
-                      <a:tailEnd type="none" w="med" len="med"/>
-                    </a:lnT>
-                    <a:lnB w="28575" cap="flat" cmpd="sng" algn="ctr">
-                      <a:solidFill>
-                        <a:schemeClr val="tx1"/>
-                      </a:solidFill>
-                      <a:prstDash val="solid"/>
-                      <a:round/>
-                      <a:headEnd type="none" w="med" len="med"/>
-                      <a:tailEnd type="none" w="med" len="med"/>
-                    </a:lnB>
-                    <a:noFill/>
-                  </a:tcPr>
-                </a:tc>
-                <a:tc>
-                  <a:txBody>
-                    <a:bodyPr/>
-                    <a:lstStyle/>
-                    <a:p>
-                      <a:pPr algn="ctr"/>
-                      <a:r>
-                        <a:rPr lang="en-US" sz="1400" b="0" i="0" dirty="0">
-                          <a:solidFill>
-                            <a:schemeClr val="bg1"/>
-                          </a:solidFill>
-                          <a:latin typeface="+mn-lt"/>
-                        </a:rPr>
-                        <a:t>Q4</a:t>
-                      </a:r>
-                    </a:p>
-                  </a:txBody>
-                  <a:tcPr anchor="ctr">
-                    <a:lnL w="12700" cap="flat" cmpd="sng" algn="ctr">
-                      <a:solidFill>
-                        <a:schemeClr val="tx1"/>
-                      </a:solidFill>
-                      <a:prstDash val="solid"/>
-                      <a:round/>
-                      <a:headEnd type="none" w="med" len="med"/>
-                      <a:tailEnd type="none" w="med" len="med"/>
-                    </a:lnL>
-                    <a:lnR w="12700" cap="flat" cmpd="sng" algn="ctr">
-                      <a:solidFill>
-                        <a:schemeClr val="tx1"/>
-                      </a:solidFill>
-                      <a:prstDash val="solid"/>
-                      <a:round/>
-                      <a:headEnd type="none" w="med" len="med"/>
-                      <a:tailEnd type="none" w="med" len="med"/>
-                    </a:lnR>
-                    <a:lnT w="12700" cap="flat" cmpd="sng" algn="ctr">
-                      <a:solidFill>
-                        <a:schemeClr val="tx1"/>
-                      </a:solidFill>
-                      <a:prstDash val="solid"/>
-                      <a:round/>
-                      <a:headEnd type="none" w="med" len="med"/>
-                      <a:tailEnd type="none" w="med" len="med"/>
-                    </a:lnT>
-                    <a:lnB w="28575" cap="flat" cmpd="sng" algn="ctr">
-                      <a:solidFill>
-                        <a:schemeClr val="tx1"/>
-                      </a:solidFill>
-                      <a:prstDash val="solid"/>
-                      <a:round/>
-                      <a:headEnd type="none" w="med" len="med"/>
-                      <a:tailEnd type="none" w="med" len="med"/>
-                    </a:lnB>
-                    <a:noFill/>
-                  </a:tcPr>
-                </a:tc>
-                <a:extLst>
-                  <a:ext uri="{0D108BD9-81ED-4DB2-BD59-A6C34878D82A}">
-                    <a16:rowId xmlns:a16="http://schemas.microsoft.com/office/drawing/2014/main" val="479928716"/>
-                  </a:ext>
-                </a:extLst>
-              </a:tr>
-              <a:tr h="592089">
-                <a:tc>
-                  <a:txBody>
-                    <a:bodyPr/>
-                    <a:lstStyle/>
-                    <a:p>
-                      <a:pPr algn="ctr"/>
-                      <a:r>
-                        <a:rPr lang="en-US" sz="1400" b="0" i="0" dirty="0">
-                          <a:solidFill>
-                            <a:schemeClr val="bg1"/>
-                          </a:solidFill>
-                          <a:latin typeface="+mn-lt"/>
-                        </a:rPr>
-                        <a:t>Series 1</a:t>
-                      </a:r>
-                    </a:p>
-                  </a:txBody>
-                  <a:tcPr anchor="ctr">
-                    <a:lnL w="28575" cap="flat" cmpd="sng" algn="ctr">
-                      <a:solidFill>
-                        <a:schemeClr val="tx1"/>
-                      </a:solidFill>
-                      <a:prstDash val="solid"/>
-                      <a:round/>
-                      <a:headEnd type="none" w="med" len="med"/>
-                      <a:tailEnd type="none" w="med" len="med"/>
-                    </a:lnL>
-                    <a:lnR w="28575" cap="flat" cmpd="sng" algn="ctr">
-                      <a:solidFill>
-                        <a:schemeClr val="tx1"/>
-                      </a:solidFill>
-                      <a:prstDash val="solid"/>
-                      <a:round/>
-                      <a:headEnd type="none" w="med" len="med"/>
-                      <a:tailEnd type="none" w="med" len="med"/>
-                    </a:lnR>
-                    <a:lnT w="28575" cap="flat" cmpd="sng" algn="ctr">
-                      <a:solidFill>
-                        <a:schemeClr val="tx1"/>
-                      </a:solidFill>
-                      <a:prstDash val="solid"/>
-                      <a:round/>
-                      <a:headEnd type="none" w="med" len="med"/>
-                      <a:tailEnd type="none" w="med" len="med"/>
-                    </a:lnT>
-                    <a:lnB w="28575" cap="flat" cmpd="sng" algn="ctr">
-                      <a:solidFill>
-                        <a:schemeClr val="tx1"/>
-                      </a:solidFill>
-                      <a:prstDash val="solid"/>
-                      <a:round/>
-                      <a:headEnd type="none" w="med" len="med"/>
-                      <a:tailEnd type="none" w="med" len="med"/>
-                    </a:lnB>
-                    <a:lnTlToBr w="12700" cmpd="sng">
-                      <a:noFill/>
-                      <a:prstDash val="solid"/>
-                    </a:lnTlToBr>
-                    <a:lnBlToTr w="12700" cmpd="sng">
-                      <a:noFill/>
-                      <a:prstDash val="solid"/>
-                    </a:lnBlToTr>
-                    <a:noFill/>
-                  </a:tcPr>
-                </a:tc>
-                <a:tc>
-                  <a:txBody>
-                    <a:bodyPr/>
-                    <a:lstStyle/>
-                    <a:p>
-                      <a:pPr algn="ctr"/>
-                      <a:r>
-                        <a:rPr lang="en-US" sz="1400" dirty="0">
-                          <a:solidFill>
-                            <a:schemeClr val="bg1"/>
-                          </a:solidFill>
-                          <a:latin typeface="+mn-lt"/>
-                        </a:rPr>
-                        <a:t>4.3</a:t>
-                      </a:r>
-                    </a:p>
-                  </a:txBody>
-                  <a:tcPr anchor="ctr">
-                    <a:lnL w="28575" cap="flat" cmpd="sng" algn="ctr">
-                      <a:solidFill>
-                        <a:schemeClr val="tx1"/>
-                      </a:solidFill>
-                      <a:prstDash val="solid"/>
-                      <a:round/>
-                      <a:headEnd type="none" w="med" len="med"/>
-                      <a:tailEnd type="none" w="med" len="med"/>
-                    </a:lnL>
-                    <a:lnR w="38100" cap="flat" cmpd="sng" algn="ctr">
-                      <a:solidFill>
-                        <a:schemeClr val="tx1"/>
-                      </a:solidFill>
-                      <a:prstDash val="solid"/>
-                      <a:round/>
-                      <a:headEnd type="none" w="med" len="med"/>
-                      <a:tailEnd type="none" w="med" len="med"/>
-                    </a:lnR>
-                    <a:lnT w="28575" cap="flat" cmpd="sng" algn="ctr">
-                      <a:solidFill>
-                        <a:schemeClr val="tx1"/>
-                      </a:solidFill>
-                      <a:prstDash val="solid"/>
-                      <a:round/>
-                      <a:headEnd type="none" w="med" len="med"/>
-                      <a:tailEnd type="none" w="med" len="med"/>
-                    </a:lnT>
-                    <a:lnB w="38100" cap="flat" cmpd="sng" algn="ctr">
-                      <a:solidFill>
-                        <a:schemeClr val="tx1"/>
-                      </a:solidFill>
-                      <a:prstDash val="solid"/>
-                      <a:round/>
-                      <a:headEnd type="none" w="med" len="med"/>
-                      <a:tailEnd type="none" w="med" len="med"/>
-                    </a:lnB>
-                    <a:lnTlToBr w="12700" cmpd="sng">
-                      <a:noFill/>
-                      <a:prstDash val="solid"/>
-                    </a:lnTlToBr>
-                    <a:lnBlToTr w="12700" cmpd="sng">
-                      <a:noFill/>
-                      <a:prstDash val="solid"/>
-                    </a:lnBlToTr>
-                    <a:solidFill>
-                      <a:srgbClr val="F9D448"/>
-                    </a:solidFill>
-                  </a:tcPr>
-                </a:tc>
-                <a:tc>
-                  <a:txBody>
-                    <a:bodyPr/>
-                    <a:lstStyle/>
-                    <a:p>
-                      <a:pPr algn="ctr"/>
-                      <a:r>
-                        <a:rPr lang="en-US" sz="1400" dirty="0">
-                          <a:latin typeface="+mn-lt"/>
-                        </a:rPr>
-                        <a:t>2.5</a:t>
-                      </a:r>
-                    </a:p>
-                  </a:txBody>
-                  <a:tcPr anchor="ctr">
-                    <a:lnL w="38100" cap="flat" cmpd="sng" algn="ctr">
-                      <a:solidFill>
-                        <a:schemeClr val="tx1"/>
-                      </a:solidFill>
-                      <a:prstDash val="solid"/>
-                      <a:round/>
-                      <a:headEnd type="none" w="med" len="med"/>
-                      <a:tailEnd type="none" w="med" len="med"/>
-                    </a:lnL>
-                    <a:lnR w="38100" cap="flat" cmpd="sng" algn="ctr">
-                      <a:solidFill>
-                        <a:schemeClr val="tx1"/>
-                      </a:solidFill>
-                      <a:prstDash val="solid"/>
-                      <a:round/>
-                      <a:headEnd type="none" w="med" len="med"/>
-                      <a:tailEnd type="none" w="med" len="med"/>
-                    </a:lnR>
-                    <a:lnT w="28575" cap="flat" cmpd="sng" algn="ctr">
-                      <a:solidFill>
-                        <a:schemeClr val="tx1"/>
-                      </a:solidFill>
-                      <a:prstDash val="solid"/>
-                      <a:round/>
-                      <a:headEnd type="none" w="med" len="med"/>
-                      <a:tailEnd type="none" w="med" len="med"/>
-                    </a:lnT>
-                    <a:lnB w="38100" cap="flat" cmpd="sng" algn="ctr">
-                      <a:solidFill>
-                        <a:schemeClr val="tx1"/>
-                      </a:solidFill>
-                      <a:prstDash val="solid"/>
-                      <a:round/>
-                      <a:headEnd type="none" w="med" len="med"/>
-                      <a:tailEnd type="none" w="med" len="med"/>
-                    </a:lnB>
-                    <a:lnTlToBr w="12700" cmpd="sng">
-                      <a:noFill/>
-                      <a:prstDash val="solid"/>
-                    </a:lnTlToBr>
-                    <a:lnBlToTr w="12700" cmpd="sng">
-                      <a:noFill/>
-                      <a:prstDash val="solid"/>
-                    </a:lnBlToTr>
-                    <a:solidFill>
-                      <a:schemeClr val="accent6"/>
-                    </a:solidFill>
-                  </a:tcPr>
-                </a:tc>
-                <a:tc>
-                  <a:txBody>
-                    <a:bodyPr/>
-                    <a:lstStyle/>
-                    <a:p>
-                      <a:pPr algn="ctr"/>
-                      <a:r>
-                        <a:rPr lang="en-US" sz="1400" dirty="0">
-                          <a:latin typeface="+mn-lt"/>
-                        </a:rPr>
-                        <a:t>3.5</a:t>
-                      </a:r>
-                    </a:p>
-                  </a:txBody>
-                  <a:tcPr anchor="ctr">
-                    <a:lnL w="38100" cap="flat" cmpd="sng" algn="ctr">
-                      <a:solidFill>
-                        <a:schemeClr val="tx1"/>
-                      </a:solidFill>
-                      <a:prstDash val="solid"/>
-                      <a:round/>
-                      <a:headEnd type="none" w="med" len="med"/>
-                      <a:tailEnd type="none" w="med" len="med"/>
-                    </a:lnL>
-                    <a:lnR w="38100" cap="flat" cmpd="sng" algn="ctr">
-                      <a:solidFill>
-                        <a:schemeClr val="tx1"/>
-                      </a:solidFill>
-                      <a:prstDash val="solid"/>
-                      <a:round/>
-                      <a:headEnd type="none" w="med" len="med"/>
-                      <a:tailEnd type="none" w="med" len="med"/>
-                    </a:lnR>
-                    <a:lnT w="28575" cap="flat" cmpd="sng" algn="ctr">
-                      <a:solidFill>
-                        <a:schemeClr val="tx1"/>
-                      </a:solidFill>
-                      <a:prstDash val="solid"/>
-                      <a:round/>
-                      <a:headEnd type="none" w="med" len="med"/>
-                      <a:tailEnd type="none" w="med" len="med"/>
-                    </a:lnT>
-                    <a:lnB w="38100" cap="flat" cmpd="sng" algn="ctr">
-                      <a:solidFill>
-                        <a:schemeClr val="tx1"/>
-                      </a:solidFill>
-                      <a:prstDash val="solid"/>
-                      <a:round/>
-                      <a:headEnd type="none" w="med" len="med"/>
-                      <a:tailEnd type="none" w="med" len="med"/>
-                    </a:lnB>
-                    <a:lnTlToBr w="12700" cmpd="sng">
-                      <a:noFill/>
-                      <a:prstDash val="solid"/>
-                    </a:lnTlToBr>
-                    <a:lnBlToTr w="12700" cmpd="sng">
-                      <a:noFill/>
-                      <a:prstDash val="solid"/>
-                    </a:lnBlToTr>
-                    <a:solidFill>
-                      <a:schemeClr val="accent6"/>
-                    </a:solidFill>
-                  </a:tcPr>
-                </a:tc>
-                <a:tc>
-                  <a:txBody>
-                    <a:bodyPr/>
-                    <a:lstStyle/>
-                    <a:p>
-                      <a:pPr algn="ctr"/>
-                      <a:r>
-                        <a:rPr lang="en-US" sz="1400" dirty="0">
-                          <a:latin typeface="+mn-lt"/>
-                        </a:rPr>
-                        <a:t>4.5</a:t>
-                      </a:r>
-                    </a:p>
-                  </a:txBody>
-                  <a:tcPr anchor="ctr">
-                    <a:lnL w="38100" cap="flat" cmpd="sng" algn="ctr">
-                      <a:solidFill>
-                        <a:schemeClr val="tx1"/>
-                      </a:solidFill>
-                      <a:prstDash val="solid"/>
-                      <a:round/>
-                      <a:headEnd type="none" w="med" len="med"/>
-                      <a:tailEnd type="none" w="med" len="med"/>
-                    </a:lnL>
-                    <a:lnR w="28575" cap="flat" cmpd="sng" algn="ctr">
-                      <a:solidFill>
-                        <a:schemeClr val="tx1"/>
-                      </a:solidFill>
-                      <a:prstDash val="solid"/>
-                      <a:round/>
-                      <a:headEnd type="none" w="med" len="med"/>
-                      <a:tailEnd type="none" w="med" len="med"/>
-                    </a:lnR>
-                    <a:lnT w="28575" cap="flat" cmpd="sng" algn="ctr">
-                      <a:solidFill>
-                        <a:schemeClr val="tx1"/>
-                      </a:solidFill>
-                      <a:prstDash val="solid"/>
-                      <a:round/>
-                      <a:headEnd type="none" w="med" len="med"/>
-                      <a:tailEnd type="none" w="med" len="med"/>
-                    </a:lnT>
-                    <a:lnB w="38100" cap="flat" cmpd="sng" algn="ctr">
-                      <a:solidFill>
-                        <a:schemeClr val="tx1"/>
-                      </a:solidFill>
-                      <a:prstDash val="solid"/>
-                      <a:round/>
-                      <a:headEnd type="none" w="med" len="med"/>
-                      <a:tailEnd type="none" w="med" len="med"/>
-                    </a:lnB>
-                    <a:lnTlToBr w="12700" cmpd="sng">
-                      <a:noFill/>
-                      <a:prstDash val="solid"/>
-                    </a:lnTlToBr>
-                    <a:lnBlToTr w="12700" cmpd="sng">
-                      <a:noFill/>
-                      <a:prstDash val="solid"/>
-                    </a:lnBlToTr>
-                    <a:solidFill>
-                      <a:schemeClr val="accent6"/>
-                    </a:solidFill>
-                  </a:tcPr>
-                </a:tc>
-                <a:extLst>
-                  <a:ext uri="{0D108BD9-81ED-4DB2-BD59-A6C34878D82A}">
-                    <a16:rowId xmlns:a16="http://schemas.microsoft.com/office/drawing/2014/main" val="1760208656"/>
-                  </a:ext>
-                </a:extLst>
-              </a:tr>
-              <a:tr h="592089">
-                <a:tc>
-                  <a:txBody>
-                    <a:bodyPr/>
-                    <a:lstStyle/>
-                    <a:p>
-                      <a:pPr algn="ctr"/>
-                      <a:r>
-                        <a:rPr lang="en-US" sz="1400" b="0" i="0" dirty="0">
-                          <a:solidFill>
-                            <a:schemeClr val="bg1"/>
-                          </a:solidFill>
-                          <a:latin typeface="+mn-lt"/>
-                        </a:rPr>
-                        <a:t>Series 2</a:t>
-                      </a:r>
-                    </a:p>
-                  </a:txBody>
-                  <a:tcPr anchor="ctr">
-                    <a:lnL w="28575" cap="flat" cmpd="sng" algn="ctr">
-                      <a:solidFill>
-                        <a:schemeClr val="tx1"/>
-                      </a:solidFill>
-                      <a:prstDash val="solid"/>
-                      <a:round/>
-                      <a:headEnd type="none" w="med" len="med"/>
-                      <a:tailEnd type="none" w="med" len="med"/>
-                    </a:lnL>
-                    <a:lnR w="28575" cap="flat" cmpd="sng" algn="ctr">
-                      <a:solidFill>
-                        <a:schemeClr val="tx1"/>
-                      </a:solidFill>
-                      <a:prstDash val="solid"/>
-                      <a:round/>
-                      <a:headEnd type="none" w="med" len="med"/>
-                      <a:tailEnd type="none" w="med" len="med"/>
-                    </a:lnR>
-                    <a:lnT w="28575" cap="flat" cmpd="sng" algn="ctr">
-                      <a:solidFill>
-                        <a:schemeClr val="tx1"/>
-                      </a:solidFill>
-                      <a:prstDash val="solid"/>
-                      <a:round/>
-                      <a:headEnd type="none" w="med" len="med"/>
-                      <a:tailEnd type="none" w="med" len="med"/>
-                    </a:lnT>
-                    <a:lnB w="28575" cap="flat" cmpd="sng" algn="ctr">
-                      <a:solidFill>
-                        <a:schemeClr val="tx1"/>
-                      </a:solidFill>
-                      <a:prstDash val="solid"/>
-                      <a:round/>
-                      <a:headEnd type="none" w="med" len="med"/>
-                      <a:tailEnd type="none" w="med" len="med"/>
-                    </a:lnB>
-                    <a:lnTlToBr w="12700" cmpd="sng">
-                      <a:noFill/>
-                      <a:prstDash val="solid"/>
-                    </a:lnTlToBr>
-                    <a:lnBlToTr w="12700" cmpd="sng">
-                      <a:noFill/>
-                      <a:prstDash val="solid"/>
-                    </a:lnBlToTr>
-                    <a:noFill/>
-                  </a:tcPr>
-                </a:tc>
-                <a:tc>
-                  <a:txBody>
-                    <a:bodyPr/>
-                    <a:lstStyle/>
-                    <a:p>
-                      <a:pPr algn="ctr"/>
-                      <a:r>
-                        <a:rPr lang="en-US" sz="1400" dirty="0">
-                          <a:solidFill>
-                            <a:schemeClr val="bg1"/>
-                          </a:solidFill>
-                          <a:latin typeface="+mn-lt"/>
-                        </a:rPr>
-                        <a:t>2.4</a:t>
-                      </a:r>
-                    </a:p>
-                  </a:txBody>
-                  <a:tcPr anchor="ctr">
-                    <a:lnL w="28575" cap="flat" cmpd="sng" algn="ctr">
-                      <a:solidFill>
-                        <a:schemeClr val="tx1"/>
-                      </a:solidFill>
-                      <a:prstDash val="solid"/>
-                      <a:round/>
-                      <a:headEnd type="none" w="med" len="med"/>
-                      <a:tailEnd type="none" w="med" len="med"/>
-                    </a:lnL>
-                    <a:lnR w="38100" cap="flat" cmpd="sng" algn="ctr">
-                      <a:solidFill>
-                        <a:schemeClr val="tx1"/>
-                      </a:solidFill>
-                      <a:prstDash val="solid"/>
-                      <a:round/>
-                      <a:headEnd type="none" w="med" len="med"/>
-                      <a:tailEnd type="none" w="med" len="med"/>
-                    </a:lnR>
-                    <a:lnT w="38100" cap="flat" cmpd="sng" algn="ctr">
-                      <a:solidFill>
-                        <a:schemeClr val="tx1"/>
-                      </a:solidFill>
-                      <a:prstDash val="solid"/>
-                      <a:round/>
-                      <a:headEnd type="none" w="med" len="med"/>
-                      <a:tailEnd type="none" w="med" len="med"/>
-                    </a:lnT>
-                    <a:lnB w="38100" cap="flat" cmpd="sng" algn="ctr">
-                      <a:solidFill>
-                        <a:schemeClr val="tx1"/>
-                      </a:solidFill>
-                      <a:prstDash val="solid"/>
-                      <a:round/>
-                      <a:headEnd type="none" w="med" len="med"/>
-                      <a:tailEnd type="none" w="med" len="med"/>
-                    </a:lnB>
-                    <a:lnTlToBr w="12700" cmpd="sng">
-                      <a:noFill/>
-                      <a:prstDash val="solid"/>
-                    </a:lnTlToBr>
-                    <a:lnBlToTr w="12700" cmpd="sng">
-                      <a:noFill/>
-                      <a:prstDash val="solid"/>
-                    </a:lnBlToTr>
-                    <a:solidFill>
-                      <a:schemeClr val="tx2"/>
-                    </a:solidFill>
-                  </a:tcPr>
-                </a:tc>
-                <a:tc>
-                  <a:txBody>
-                    <a:bodyPr/>
-                    <a:lstStyle/>
-                    <a:p>
-                      <a:pPr algn="ctr"/>
-                      <a:r>
-                        <a:rPr lang="en-US" sz="1400" dirty="0">
-                          <a:latin typeface="+mn-lt"/>
-                        </a:rPr>
-                        <a:t>4.4</a:t>
-                      </a:r>
-                    </a:p>
-                  </a:txBody>
-                  <a:tcPr anchor="ctr">
-                    <a:lnL w="38100" cap="flat" cmpd="sng" algn="ctr">
-                      <a:solidFill>
-                        <a:schemeClr val="tx1"/>
-                      </a:solidFill>
-                      <a:prstDash val="solid"/>
-                      <a:round/>
-                      <a:headEnd type="none" w="med" len="med"/>
-                      <a:tailEnd type="none" w="med" len="med"/>
-                    </a:lnL>
-                    <a:lnR w="38100" cap="flat" cmpd="sng" algn="ctr">
-                      <a:solidFill>
-                        <a:schemeClr val="tx1"/>
-                      </a:solidFill>
-                      <a:prstDash val="solid"/>
-                      <a:round/>
-                      <a:headEnd type="none" w="med" len="med"/>
-                      <a:tailEnd type="none" w="med" len="med"/>
-                    </a:lnR>
-                    <a:lnT w="38100" cap="flat" cmpd="sng" algn="ctr">
-                      <a:solidFill>
-                        <a:schemeClr val="tx1"/>
-                      </a:solidFill>
-                      <a:prstDash val="solid"/>
-                      <a:round/>
-                      <a:headEnd type="none" w="med" len="med"/>
-                      <a:tailEnd type="none" w="med" len="med"/>
-                    </a:lnT>
-                    <a:lnB w="38100" cap="flat" cmpd="sng" algn="ctr">
-                      <a:solidFill>
-                        <a:schemeClr val="tx1"/>
-                      </a:solidFill>
-                      <a:prstDash val="solid"/>
-                      <a:round/>
-                      <a:headEnd type="none" w="med" len="med"/>
-                      <a:tailEnd type="none" w="med" len="med"/>
-                    </a:lnB>
-                    <a:lnTlToBr w="12700" cmpd="sng">
-                      <a:noFill/>
-                      <a:prstDash val="solid"/>
-                    </a:lnTlToBr>
-                    <a:lnBlToTr w="12700" cmpd="sng">
-                      <a:noFill/>
-                      <a:prstDash val="solid"/>
-                    </a:lnBlToTr>
-                    <a:solidFill>
-                      <a:schemeClr val="tx2"/>
-                    </a:solidFill>
-                  </a:tcPr>
-                </a:tc>
-                <a:tc>
-                  <a:txBody>
-                    <a:bodyPr/>
-                    <a:lstStyle/>
-                    <a:p>
-                      <a:pPr algn="ctr"/>
-                      <a:r>
-                        <a:rPr lang="en-US" sz="1400" dirty="0">
-                          <a:latin typeface="+mn-lt"/>
-                        </a:rPr>
-                        <a:t>1.8</a:t>
-                      </a:r>
-                    </a:p>
-                  </a:txBody>
-                  <a:tcPr anchor="ctr">
-                    <a:lnL w="38100" cap="flat" cmpd="sng" algn="ctr">
-                      <a:solidFill>
-                        <a:schemeClr val="tx1"/>
-                      </a:solidFill>
-                      <a:prstDash val="solid"/>
-                      <a:round/>
-                      <a:headEnd type="none" w="med" len="med"/>
-                      <a:tailEnd type="none" w="med" len="med"/>
-                    </a:lnL>
-                    <a:lnR w="38100" cap="flat" cmpd="sng" algn="ctr">
-                      <a:solidFill>
-                        <a:schemeClr val="tx1"/>
-                      </a:solidFill>
-                      <a:prstDash val="solid"/>
-                      <a:round/>
-                      <a:headEnd type="none" w="med" len="med"/>
-                      <a:tailEnd type="none" w="med" len="med"/>
-                    </a:lnR>
-                    <a:lnT w="38100" cap="flat" cmpd="sng" algn="ctr">
-                      <a:solidFill>
-                        <a:schemeClr val="tx1"/>
-                      </a:solidFill>
-                      <a:prstDash val="solid"/>
-                      <a:round/>
-                      <a:headEnd type="none" w="med" len="med"/>
-                      <a:tailEnd type="none" w="med" len="med"/>
-                    </a:lnT>
-                    <a:lnB w="38100" cap="flat" cmpd="sng" algn="ctr">
-                      <a:solidFill>
-                        <a:schemeClr val="tx1"/>
-                      </a:solidFill>
-                      <a:prstDash val="solid"/>
-                      <a:round/>
-                      <a:headEnd type="none" w="med" len="med"/>
-                      <a:tailEnd type="none" w="med" len="med"/>
-                    </a:lnB>
-                    <a:lnTlToBr w="12700" cmpd="sng">
-                      <a:noFill/>
-                      <a:prstDash val="solid"/>
-                    </a:lnTlToBr>
-                    <a:lnBlToTr w="12700" cmpd="sng">
-                      <a:noFill/>
-                      <a:prstDash val="solid"/>
-                    </a:lnBlToTr>
-                    <a:solidFill>
-                      <a:schemeClr val="tx2"/>
-                    </a:solidFill>
-                  </a:tcPr>
-                </a:tc>
-                <a:tc>
-                  <a:txBody>
-                    <a:bodyPr/>
-                    <a:lstStyle/>
-                    <a:p>
-                      <a:pPr algn="ctr"/>
-                      <a:r>
-                        <a:rPr lang="en-US" sz="1400" dirty="0">
-                          <a:latin typeface="+mn-lt"/>
-                        </a:rPr>
-                        <a:t>2.8</a:t>
-                      </a:r>
-                    </a:p>
-                  </a:txBody>
-                  <a:tcPr anchor="ctr">
-                    <a:lnL w="38100" cap="flat" cmpd="sng" algn="ctr">
-                      <a:solidFill>
-                        <a:schemeClr val="tx1"/>
-                      </a:solidFill>
-                      <a:prstDash val="solid"/>
-                      <a:round/>
-                      <a:headEnd type="none" w="med" len="med"/>
-                      <a:tailEnd type="none" w="med" len="med"/>
-                    </a:lnL>
-                    <a:lnR w="28575" cap="flat" cmpd="sng" algn="ctr">
-                      <a:solidFill>
-                        <a:schemeClr val="tx1"/>
-                      </a:solidFill>
-                      <a:prstDash val="solid"/>
-                      <a:round/>
-                      <a:headEnd type="none" w="med" len="med"/>
-                      <a:tailEnd type="none" w="med" len="med"/>
-                    </a:lnR>
-                    <a:lnT w="38100" cap="flat" cmpd="sng" algn="ctr">
-                      <a:solidFill>
-                        <a:schemeClr val="tx1"/>
-                      </a:solidFill>
-                      <a:prstDash val="solid"/>
-                      <a:round/>
-                      <a:headEnd type="none" w="med" len="med"/>
-                      <a:tailEnd type="none" w="med" len="med"/>
-                    </a:lnT>
-                    <a:lnB w="38100" cap="flat" cmpd="sng" algn="ctr">
-                      <a:solidFill>
-                        <a:schemeClr val="tx1"/>
-                      </a:solidFill>
-                      <a:prstDash val="solid"/>
-                      <a:round/>
-                      <a:headEnd type="none" w="med" len="med"/>
-                      <a:tailEnd type="none" w="med" len="med"/>
-                    </a:lnB>
-                    <a:lnTlToBr w="12700" cmpd="sng">
-                      <a:noFill/>
-                      <a:prstDash val="solid"/>
-                    </a:lnTlToBr>
-                    <a:lnBlToTr w="12700" cmpd="sng">
-                      <a:noFill/>
-                      <a:prstDash val="solid"/>
-                    </a:lnBlToTr>
-                    <a:solidFill>
-                      <a:schemeClr val="tx2"/>
-                    </a:solidFill>
-                  </a:tcPr>
-                </a:tc>
-                <a:extLst>
-                  <a:ext uri="{0D108BD9-81ED-4DB2-BD59-A6C34878D82A}">
-                    <a16:rowId xmlns:a16="http://schemas.microsoft.com/office/drawing/2014/main" val="3634243071"/>
-                  </a:ext>
-                </a:extLst>
-              </a:tr>
-              <a:tr h="592089">
-                <a:tc>
-                  <a:txBody>
-                    <a:bodyPr/>
-                    <a:lstStyle/>
-                    <a:p>
-                      <a:pPr algn="ctr"/>
-                      <a:r>
-                        <a:rPr lang="en-US" sz="1400" b="0" i="0" dirty="0">
-                          <a:solidFill>
-                            <a:schemeClr val="bg1"/>
-                          </a:solidFill>
-                          <a:latin typeface="+mn-lt"/>
-                        </a:rPr>
-                        <a:t>Series 3</a:t>
-                      </a:r>
-                    </a:p>
-                  </a:txBody>
-                  <a:tcPr anchor="ctr">
-                    <a:lnL w="28575" cap="flat" cmpd="sng" algn="ctr">
-                      <a:solidFill>
-                        <a:schemeClr val="tx1"/>
-                      </a:solidFill>
-                      <a:prstDash val="solid"/>
-                      <a:round/>
-                      <a:headEnd type="none" w="med" len="med"/>
-                      <a:tailEnd type="none" w="med" len="med"/>
-                    </a:lnL>
-                    <a:lnR w="28575" cap="flat" cmpd="sng" algn="ctr">
-                      <a:solidFill>
-                        <a:schemeClr val="tx1"/>
-                      </a:solidFill>
-                      <a:prstDash val="solid"/>
-                      <a:round/>
-                      <a:headEnd type="none" w="med" len="med"/>
-                      <a:tailEnd type="none" w="med" len="med"/>
-                    </a:lnR>
-                    <a:lnT w="28575" cap="flat" cmpd="sng" algn="ctr">
-                      <a:solidFill>
-                        <a:schemeClr val="tx1"/>
-                      </a:solidFill>
-                      <a:prstDash val="solid"/>
-                      <a:round/>
-                      <a:headEnd type="none" w="med" len="med"/>
-                      <a:tailEnd type="none" w="med" len="med"/>
-                    </a:lnT>
-                    <a:lnB w="28575" cap="flat" cmpd="sng" algn="ctr">
-                      <a:solidFill>
-                        <a:schemeClr val="tx1"/>
-                      </a:solidFill>
-                      <a:prstDash val="solid"/>
-                      <a:round/>
-                      <a:headEnd type="none" w="med" len="med"/>
-                      <a:tailEnd type="none" w="med" len="med"/>
-                    </a:lnB>
-                    <a:lnTlToBr w="12700" cmpd="sng">
-                      <a:noFill/>
-                      <a:prstDash val="solid"/>
-                    </a:lnTlToBr>
-                    <a:lnBlToTr w="12700" cmpd="sng">
-                      <a:noFill/>
-                      <a:prstDash val="solid"/>
-                    </a:lnBlToTr>
-                    <a:noFill/>
-                  </a:tcPr>
-                </a:tc>
-                <a:tc>
-                  <a:txBody>
-                    <a:bodyPr/>
-                    <a:lstStyle/>
-                    <a:p>
-                      <a:pPr algn="ctr"/>
-                      <a:r>
-                        <a:rPr lang="en-US" sz="1400" dirty="0">
-                          <a:solidFill>
-                            <a:schemeClr val="bg1"/>
-                          </a:solidFill>
-                          <a:latin typeface="+mn-lt"/>
-                        </a:rPr>
-                        <a:t>2</a:t>
-                      </a:r>
-                    </a:p>
-                  </a:txBody>
-                  <a:tcPr anchor="ctr">
-                    <a:lnL w="28575" cap="flat" cmpd="sng" algn="ctr">
-                      <a:solidFill>
-                        <a:schemeClr val="tx1"/>
-                      </a:solidFill>
-                      <a:prstDash val="solid"/>
-                      <a:round/>
-                      <a:headEnd type="none" w="med" len="med"/>
-                      <a:tailEnd type="none" w="med" len="med"/>
-                    </a:lnL>
-                    <a:lnR w="38100" cap="flat" cmpd="sng" algn="ctr">
-                      <a:solidFill>
-                        <a:schemeClr val="tx1"/>
-                      </a:solidFill>
-                      <a:prstDash val="solid"/>
-                      <a:round/>
-                      <a:headEnd type="none" w="med" len="med"/>
-                      <a:tailEnd type="none" w="med" len="med"/>
-                    </a:lnR>
-                    <a:lnT w="38100" cap="flat" cmpd="sng" algn="ctr">
-                      <a:solidFill>
-                        <a:schemeClr val="tx1"/>
-                      </a:solidFill>
-                      <a:prstDash val="solid"/>
-                      <a:round/>
-                      <a:headEnd type="none" w="med" len="med"/>
-                      <a:tailEnd type="none" w="med" len="med"/>
-                    </a:lnT>
-                    <a:lnB w="28575" cap="flat" cmpd="sng" algn="ctr">
-                      <a:solidFill>
-                        <a:schemeClr val="tx1"/>
-                      </a:solidFill>
-                      <a:prstDash val="solid"/>
-                      <a:round/>
-                      <a:headEnd type="none" w="med" len="med"/>
-                      <a:tailEnd type="none" w="med" len="med"/>
-                    </a:lnB>
-                    <a:lnTlToBr w="12700" cmpd="sng">
-                      <a:noFill/>
-                      <a:prstDash val="solid"/>
-                    </a:lnTlToBr>
-                    <a:lnBlToTr w="12700" cmpd="sng">
-                      <a:noFill/>
-                      <a:prstDash val="solid"/>
-                    </a:lnBlToTr>
-                    <a:solidFill>
-                      <a:srgbClr val="4495A2"/>
-                    </a:solidFill>
-                  </a:tcPr>
-                </a:tc>
-                <a:tc>
-                  <a:txBody>
-                    <a:bodyPr/>
-                    <a:lstStyle/>
-                    <a:p>
-                      <a:pPr algn="ctr"/>
-                      <a:r>
-                        <a:rPr lang="en-US" sz="1400" dirty="0">
-                          <a:latin typeface="+mn-lt"/>
-                        </a:rPr>
-                        <a:t>2</a:t>
-                      </a:r>
-                    </a:p>
-                  </a:txBody>
-                  <a:tcPr anchor="ctr">
-                    <a:lnL w="38100" cap="flat" cmpd="sng" algn="ctr">
-                      <a:solidFill>
-                        <a:schemeClr val="tx1"/>
-                      </a:solidFill>
-                      <a:prstDash val="solid"/>
-                      <a:round/>
-                      <a:headEnd type="none" w="med" len="med"/>
-                      <a:tailEnd type="none" w="med" len="med"/>
-                    </a:lnL>
-                    <a:lnR w="38100" cap="flat" cmpd="sng" algn="ctr">
-                      <a:solidFill>
-                        <a:schemeClr val="tx1"/>
-                      </a:solidFill>
-                      <a:prstDash val="solid"/>
-                      <a:round/>
-                      <a:headEnd type="none" w="med" len="med"/>
-                      <a:tailEnd type="none" w="med" len="med"/>
-                    </a:lnR>
-                    <a:lnT w="38100" cap="flat" cmpd="sng" algn="ctr">
-                      <a:solidFill>
-                        <a:schemeClr val="tx1"/>
-                      </a:solidFill>
-                      <a:prstDash val="solid"/>
-                      <a:round/>
-                      <a:headEnd type="none" w="med" len="med"/>
-                      <a:tailEnd type="none" w="med" len="med"/>
-                    </a:lnT>
-                    <a:lnB w="28575" cap="flat" cmpd="sng" algn="ctr">
-                      <a:solidFill>
-                        <a:schemeClr val="tx1"/>
-                      </a:solidFill>
-                      <a:prstDash val="solid"/>
-                      <a:round/>
-                      <a:headEnd type="none" w="med" len="med"/>
-                      <a:tailEnd type="none" w="med" len="med"/>
-                    </a:lnB>
-                    <a:lnTlToBr w="12700" cmpd="sng">
-                      <a:noFill/>
-                      <a:prstDash val="solid"/>
-                    </a:lnTlToBr>
-                    <a:lnBlToTr w="12700" cmpd="sng">
-                      <a:noFill/>
-                      <a:prstDash val="solid"/>
-                    </a:lnBlToTr>
-                    <a:solidFill>
-                      <a:schemeClr val="accent3"/>
-                    </a:solidFill>
-                  </a:tcPr>
-                </a:tc>
-                <a:tc>
-                  <a:txBody>
-                    <a:bodyPr/>
-                    <a:lstStyle/>
-                    <a:p>
-                      <a:pPr algn="ctr"/>
-                      <a:r>
-                        <a:rPr lang="en-US" sz="1400" dirty="0">
-                          <a:latin typeface="+mn-lt"/>
-                        </a:rPr>
-                        <a:t>3</a:t>
-                      </a:r>
-                    </a:p>
-                  </a:txBody>
-                  <a:tcPr anchor="ctr">
-                    <a:lnL w="38100" cap="flat" cmpd="sng" algn="ctr">
-                      <a:solidFill>
-                        <a:schemeClr val="tx1"/>
-                      </a:solidFill>
-                      <a:prstDash val="solid"/>
-                      <a:round/>
-                      <a:headEnd type="none" w="med" len="med"/>
-                      <a:tailEnd type="none" w="med" len="med"/>
-                    </a:lnL>
-                    <a:lnR w="38100" cap="flat" cmpd="sng" algn="ctr">
-                      <a:solidFill>
-                        <a:schemeClr val="tx1"/>
-                      </a:solidFill>
-                      <a:prstDash val="solid"/>
-                      <a:round/>
-                      <a:headEnd type="none" w="med" len="med"/>
-                      <a:tailEnd type="none" w="med" len="med"/>
-                    </a:lnR>
-                    <a:lnT w="38100" cap="flat" cmpd="sng" algn="ctr">
-                      <a:solidFill>
-                        <a:schemeClr val="tx1"/>
-                      </a:solidFill>
-                      <a:prstDash val="solid"/>
-                      <a:round/>
-                      <a:headEnd type="none" w="med" len="med"/>
-                      <a:tailEnd type="none" w="med" len="med"/>
-                    </a:lnT>
-                    <a:lnB w="28575" cap="flat" cmpd="sng" algn="ctr">
-                      <a:solidFill>
-                        <a:schemeClr val="tx1"/>
-                      </a:solidFill>
-                      <a:prstDash val="solid"/>
-                      <a:round/>
-                      <a:headEnd type="none" w="med" len="med"/>
-                      <a:tailEnd type="none" w="med" len="med"/>
-                    </a:lnB>
-                    <a:lnTlToBr w="12700" cmpd="sng">
-                      <a:noFill/>
-                      <a:prstDash val="solid"/>
-                    </a:lnTlToBr>
-                    <a:lnBlToTr w="12700" cmpd="sng">
-                      <a:noFill/>
-                      <a:prstDash val="solid"/>
-                    </a:lnBlToTr>
-                    <a:solidFill>
-                      <a:schemeClr val="accent3"/>
-                    </a:solidFill>
-                  </a:tcPr>
-                </a:tc>
-                <a:tc>
-                  <a:txBody>
-                    <a:bodyPr/>
-                    <a:lstStyle/>
-                    <a:p>
-                      <a:pPr algn="ctr"/>
-                      <a:r>
-                        <a:rPr lang="en-US" sz="1400" dirty="0">
-                          <a:latin typeface="+mn-lt"/>
-                        </a:rPr>
-                        <a:t>5</a:t>
-                      </a:r>
-                    </a:p>
-                  </a:txBody>
-                  <a:tcPr anchor="ctr">
-                    <a:lnL w="38100" cap="flat" cmpd="sng" algn="ctr">
-                      <a:solidFill>
-                        <a:schemeClr val="tx1"/>
-                      </a:solidFill>
-                      <a:prstDash val="solid"/>
-                      <a:round/>
-                      <a:headEnd type="none" w="med" len="med"/>
-                      <a:tailEnd type="none" w="med" len="med"/>
-                    </a:lnL>
-                    <a:lnR w="28575" cap="flat" cmpd="sng" algn="ctr">
-                      <a:solidFill>
-                        <a:schemeClr val="tx1"/>
-                      </a:solidFill>
-                      <a:prstDash val="solid"/>
-                      <a:round/>
-                      <a:headEnd type="none" w="med" len="med"/>
-                      <a:tailEnd type="none" w="med" len="med"/>
-                    </a:lnR>
-                    <a:lnT w="38100" cap="flat" cmpd="sng" algn="ctr">
-                      <a:solidFill>
-                        <a:schemeClr val="tx1"/>
-                      </a:solidFill>
-                      <a:prstDash val="solid"/>
-                      <a:round/>
-                      <a:headEnd type="none" w="med" len="med"/>
-                      <a:tailEnd type="none" w="med" len="med"/>
-                    </a:lnT>
-                    <a:lnB w="28575" cap="flat" cmpd="sng" algn="ctr">
-                      <a:solidFill>
-                        <a:schemeClr val="tx1"/>
-                      </a:solidFill>
-                      <a:prstDash val="solid"/>
-                      <a:round/>
-                      <a:headEnd type="none" w="med" len="med"/>
-                      <a:tailEnd type="none" w="med" len="med"/>
-                    </a:lnB>
-                    <a:lnTlToBr w="12700" cmpd="sng">
-                      <a:noFill/>
-                      <a:prstDash val="solid"/>
-                    </a:lnTlToBr>
-                    <a:lnBlToTr w="12700" cmpd="sng">
-                      <a:noFill/>
-                      <a:prstDash val="solid"/>
-                    </a:lnBlToTr>
-                    <a:solidFill>
-                      <a:schemeClr val="accent3"/>
-                    </a:solidFill>
-                  </a:tcPr>
-                </a:tc>
-                <a:extLst>
-                  <a:ext uri="{0D108BD9-81ED-4DB2-BD59-A6C34878D82A}">
-                    <a16:rowId xmlns:a16="http://schemas.microsoft.com/office/drawing/2014/main" val="415808797"/>
-                  </a:ext>
-                </a:extLst>
-              </a:tr>
-            </a:tbl>
-          </a:graphicData>
-        </a:graphic>
-      </p:graphicFrame>
-      <p:sp>
-        <p:nvSpPr>
-          <p:cNvPr id="6" name="Slide Number Placeholder 5">
-            <a:extLst>
-              <a:ext uri="{FF2B5EF4-FFF2-40B4-BE49-F238E27FC236}">
-                <a16:creationId xmlns:a16="http://schemas.microsoft.com/office/drawing/2014/main" id="{7CD59D5C-769B-454A-A6E2-A988BC5DEF34}"/>
-              </a:ext>
-            </a:extLst>
-          </p:cNvPr>
-          <p:cNvSpPr>
-            <a:spLocks noGrp="1"/>
-          </p:cNvSpPr>
-          <p:nvPr>
-            <p:ph type="sldNum" sz="quarter" idx="13"/>
-          </p:nvPr>
-        </p:nvSpPr>
-        <p:spPr>
-          <a:xfrm>
-            <a:off x="971550" y="6332220"/>
-            <a:ext cx="523240" cy="247651"/>
-          </a:xfrm>
-        </p:spPr>
-        <p:txBody>
-          <a:bodyPr/>
-          <a:lstStyle/>
-          <a:p>
-            <a:fld id="{294A09A9-5501-47C1-A89A-A340965A2BE2}" type="slidenum">
-              <a:rPr lang="en-US" smtClean="0"/>
-              <a:pPr/>
-              <a:t>10</a:t>
-            </a:fld>
-            <a:endParaRPr lang="en-US" dirty="0"/>
-          </a:p>
-        </p:txBody>
-      </p:sp>
-    </p:spTree>
-    <p:extLst>
-      <p:ext uri="{BB962C8B-B14F-4D97-AF65-F5344CB8AC3E}">
-        <p14:creationId xmlns:p14="http://schemas.microsoft.com/office/powerpoint/2010/main" val="1556310685"/>
-      </p:ext>
-    </p:extLst>
-  </p:cSld>
-  <p:clrMapOvr>
-    <a:masterClrMapping/>
-  </p:clrMapOvr>
-</p:sld>
-</file>
-
-<file path=ppt/slides/slide11.xml><?xml version="1.0" encoding="utf-8"?>
-<p:sld xmlns:a="http://schemas.openxmlformats.org/drawingml/2006/main" xmlns:r="http://schemas.openxmlformats.org/officeDocument/2006/relationships" xmlns:p="http://schemas.openxmlformats.org/presentationml/2006/main">
-  <p:cSld>
-    <p:spTree>
-      <p:nvGrpSpPr>
-        <p:cNvPr id="1" name=""/>
-        <p:cNvGrpSpPr/>
-        <p:nvPr/>
-      </p:nvGrpSpPr>
-      <p:grpSpPr>
-        <a:xfrm>
-          <a:off x="0" y="0"/>
-          <a:ext cx="0" cy="0"/>
-          <a:chOff x="0" y="0"/>
-          <a:chExt cx="0" cy="0"/>
-        </a:xfrm>
-      </p:grpSpPr>
-      <p:sp>
-        <p:nvSpPr>
-          <p:cNvPr id="2" name="Title 1">
-            <a:extLst>
-              <a:ext uri="{FF2B5EF4-FFF2-40B4-BE49-F238E27FC236}">
-                <a16:creationId xmlns:a16="http://schemas.microsoft.com/office/drawing/2014/main" id="{737728DC-195E-4A4E-AEBA-5E0D1DB03B76}"/>
-              </a:ext>
-            </a:extLst>
-          </p:cNvPr>
-          <p:cNvSpPr>
-            <a:spLocks noGrp="1"/>
-          </p:cNvSpPr>
-          <p:nvPr>
-            <p:ph type="title"/>
-          </p:nvPr>
-        </p:nvSpPr>
-        <p:spPr>
-          <a:xfrm>
-            <a:off x="964022" y="2476500"/>
-            <a:ext cx="7227478" cy="3289971"/>
-          </a:xfrm>
-        </p:spPr>
-        <p:txBody>
-          <a:bodyPr>
-            <a:normAutofit fontScale="90000"/>
-          </a:bodyPr>
-          <a:lstStyle/>
-          <a:p>
-            <a:r>
-              <a:rPr lang="en-US" sz="1600" dirty="0">
-                <a:hlinkClick r:id="rId2"/>
-              </a:rPr>
-              <a:t>https://www.youtube.com/watch?v=Q_1M2JaijjQ&amp;ab_channel=Reducible</a:t>
-            </a:r>
-            <a:br>
-              <a:rPr lang="en-US" sz="1600" dirty="0"/>
-            </a:br>
-            <a:br>
-              <a:rPr lang="en-US" sz="1600" dirty="0"/>
-            </a:br>
-            <a:r>
-              <a:rPr lang="en-US" sz="1600" dirty="0">
-                <a:hlinkClick r:id="rId3"/>
-              </a:rPr>
-              <a:t>https://slideplayer.com/slide/14952628/</a:t>
-            </a:r>
-            <a:r>
-              <a:rPr lang="en-US" sz="1600" dirty="0"/>
-              <a:t> </a:t>
-            </a:r>
-            <a:br>
-              <a:rPr lang="en-US" sz="1600" dirty="0"/>
-            </a:br>
-            <a:br>
-              <a:rPr lang="en-US" sz="1600" dirty="0"/>
-            </a:br>
-            <a:r>
-              <a:rPr lang="en-US" sz="1600" dirty="0">
-                <a:hlinkClick r:id="rId4"/>
-              </a:rPr>
-              <a:t>https://medium.com/dataseries/how-to-calculate-time-complexity-with-big-o-notation-9afe33aa4c46</a:t>
-            </a:r>
-            <a:r>
-              <a:rPr lang="en-US" sz="1600" dirty="0"/>
-              <a:t> </a:t>
-            </a:r>
-            <a:br>
-              <a:rPr lang="en-US" sz="1600" dirty="0"/>
-            </a:br>
-            <a:br>
-              <a:rPr lang="en-US" sz="1600" dirty="0"/>
-            </a:br>
-            <a:r>
-              <a:rPr lang="en-US" sz="1600" dirty="0">
-                <a:hlinkClick r:id="rId5"/>
-              </a:rPr>
-              <a:t>https://www.youtube.com/watch?v=6aDHWSNKlVw&amp;ab_channel=TechWithTim</a:t>
-            </a:r>
-            <a:br>
-              <a:rPr lang="en-US" sz="1600" dirty="0"/>
-            </a:br>
-            <a:br>
-              <a:rPr lang="en-US" sz="1600" dirty="0"/>
-            </a:br>
-            <a:r>
-              <a:rPr lang="en-US" sz="1600" dirty="0">
-                <a:hlinkClick r:id="rId6"/>
-              </a:rPr>
-              <a:t>https://www.youtube.com/watch?v=Mo4vesaut8g&amp;ab_channel=freeCodeCamp.org</a:t>
-            </a:r>
-            <a:r>
-              <a:rPr lang="en-US" sz="1600" dirty="0"/>
-              <a:t>  </a:t>
-            </a:r>
-            <a:br>
-              <a:rPr lang="en-US" dirty="0"/>
-            </a:br>
-            <a:endParaRPr lang="en-US" dirty="0"/>
-          </a:p>
-        </p:txBody>
-      </p:sp>
-    </p:spTree>
-    <p:extLst>
-      <p:ext uri="{BB962C8B-B14F-4D97-AF65-F5344CB8AC3E}">
-        <p14:creationId xmlns:p14="http://schemas.microsoft.com/office/powerpoint/2010/main" val="2184356687"/>
-      </p:ext>
-    </p:extLst>
-  </p:cSld>
-  <p:clrMapOvr>
-    <a:masterClrMapping/>
-  </p:clrMapOvr>
-</p:sld>
-</file>
-
-<file path=ppt/slides/slide12.xml><?xml version="1.0" encoding="utf-8"?>
-<p:sld xmlns:a="http://schemas.openxmlformats.org/drawingml/2006/main" xmlns:r="http://schemas.openxmlformats.org/officeDocument/2006/relationships" xmlns:p="http://schemas.openxmlformats.org/presentationml/2006/main">
-  <p:cSld>
-    <p:spTree>
-      <p:nvGrpSpPr>
-        <p:cNvPr id="1" name=""/>
-        <p:cNvGrpSpPr/>
-        <p:nvPr/>
-      </p:nvGrpSpPr>
-      <p:grpSpPr>
-        <a:xfrm>
-          <a:off x="0" y="0"/>
-          <a:ext cx="0" cy="0"/>
-          <a:chOff x="0" y="0"/>
-          <a:chExt cx="0" cy="0"/>
-        </a:xfrm>
-      </p:grpSpPr>
-      <p:sp>
-        <p:nvSpPr>
-          <p:cNvPr id="2" name="Title 1">
-            <a:extLst>
-              <a:ext uri="{FF2B5EF4-FFF2-40B4-BE49-F238E27FC236}">
-                <a16:creationId xmlns:a16="http://schemas.microsoft.com/office/drawing/2014/main" id="{737728DC-195E-4A4E-AEBA-5E0D1DB03B76}"/>
-              </a:ext>
-            </a:extLst>
-          </p:cNvPr>
-          <p:cNvSpPr>
-            <a:spLocks noGrp="1"/>
-          </p:cNvSpPr>
-          <p:nvPr>
-            <p:ph type="title"/>
-          </p:nvPr>
-        </p:nvSpPr>
-        <p:spPr>
-          <a:xfrm>
-            <a:off x="964022" y="2476500"/>
-            <a:ext cx="7132320" cy="3289971"/>
-          </a:xfrm>
-        </p:spPr>
-        <p:txBody>
-          <a:bodyPr/>
-          <a:lstStyle/>
-          <a:p>
-            <a:r>
-              <a:rPr lang="en-US" dirty="0"/>
-              <a:t>Contoso was great to work with. </a:t>
-            </a:r>
-            <a:br>
-              <a:rPr lang="en-US" dirty="0"/>
-            </a:br>
-            <a:r>
-              <a:rPr lang="en-US" dirty="0"/>
-              <a:t>Patrice was my representative and she anticipated my needs and worked diligently to fix my issue.</a:t>
-            </a:r>
-            <a:br>
-              <a:rPr lang="en-US" dirty="0"/>
-            </a:br>
-            <a:endParaRPr lang="en-US" dirty="0"/>
-          </a:p>
-        </p:txBody>
-      </p:sp>
-    </p:spTree>
-    <p:extLst>
-      <p:ext uri="{BB962C8B-B14F-4D97-AF65-F5344CB8AC3E}">
-        <p14:creationId xmlns:p14="http://schemas.microsoft.com/office/powerpoint/2010/main" val="1850298080"/>
-      </p:ext>
-    </p:extLst>
-  </p:cSld>
-  <p:clrMapOvr>
-    <a:masterClrMapping/>
-  </p:clrMapOvr>
-</p:sld>
-</file>
-
-<file path=ppt/slides/slide13.xml><?xml version="1.0" encoding="utf-8"?>
-<p:sld xmlns:a="http://schemas.openxmlformats.org/drawingml/2006/main" xmlns:r="http://schemas.openxmlformats.org/officeDocument/2006/relationships" xmlns:p="http://schemas.openxmlformats.org/presentationml/2006/main">
-  <p:cSld>
-    <p:spTree>
-      <p:nvGrpSpPr>
-        <p:cNvPr id="1" name=""/>
-        <p:cNvGrpSpPr/>
-        <p:nvPr/>
-      </p:nvGrpSpPr>
-      <p:grpSpPr>
-        <a:xfrm>
-          <a:off x="0" y="0"/>
-          <a:ext cx="0" cy="0"/>
-          <a:chOff x="0" y="0"/>
-          <a:chExt cx="0" cy="0"/>
-        </a:xfrm>
-      </p:grpSpPr>
-      <p:sp>
-        <p:nvSpPr>
-          <p:cNvPr id="3" name="Title 2">
-            <a:extLst>
-              <a:ext uri="{FF2B5EF4-FFF2-40B4-BE49-F238E27FC236}">
-                <a16:creationId xmlns:a16="http://schemas.microsoft.com/office/drawing/2014/main" id="{01EB1D7F-284F-6F46-99FA-EBB8ED69D7EA}"/>
-              </a:ext>
-            </a:extLst>
-          </p:cNvPr>
-          <p:cNvSpPr>
-            <a:spLocks noGrp="1"/>
-          </p:cNvSpPr>
-          <p:nvPr>
-            <p:ph type="title"/>
-          </p:nvPr>
-        </p:nvSpPr>
-        <p:spPr>
-          <a:xfrm>
-            <a:off x="964022" y="879063"/>
-            <a:ext cx="7532277" cy="610863"/>
-          </a:xfrm>
-        </p:spPr>
-        <p:txBody>
-          <a:bodyPr/>
-          <a:lstStyle/>
-          <a:p>
-            <a:r>
-              <a:rPr lang="en-US" dirty="0"/>
-              <a:t>Our team</a:t>
-            </a:r>
-          </a:p>
-        </p:txBody>
-      </p:sp>
-      <p:pic>
-        <p:nvPicPr>
-          <p:cNvPr id="37" name="Picture Placeholder 36" descr="Portrait of a team member">
-            <a:extLst>
-              <a:ext uri="{FF2B5EF4-FFF2-40B4-BE49-F238E27FC236}">
-                <a16:creationId xmlns:a16="http://schemas.microsoft.com/office/drawing/2014/main" id="{A6DA57CA-945B-4A0F-8110-3C4D57993698}"/>
-              </a:ext>
-            </a:extLst>
-          </p:cNvPr>
-          <p:cNvPicPr>
-            <a:picLocks noGrp="1" noChangeAspect="1"/>
-          </p:cNvPicPr>
-          <p:nvPr>
-            <p:ph type="pic" sz="quarter" idx="18"/>
-          </p:nvPr>
-        </p:nvPicPr>
-        <p:blipFill rotWithShape="1">
-          <a:blip r:embed="rId2">
-            <a:extLst>
-              <a:ext uri="{28A0092B-C50C-407E-A947-70E740481C1C}">
-                <a14:useLocalDpi xmlns:a14="http://schemas.microsoft.com/office/drawing/2010/main" val="0"/>
-              </a:ext>
-            </a:extLst>
-          </a:blip>
-          <a:srcRect/>
-          <a:stretch/>
-        </p:blipFill>
-        <p:spPr>
-          <a:xfrm>
-            <a:off x="954268" y="2572883"/>
-            <a:ext cx="2118245" cy="2037217"/>
-          </a:xfrm>
-        </p:spPr>
-      </p:pic>
-      <p:sp>
-        <p:nvSpPr>
-          <p:cNvPr id="6" name="Text Placeholder 5">
-            <a:extLst>
-              <a:ext uri="{FF2B5EF4-FFF2-40B4-BE49-F238E27FC236}">
-                <a16:creationId xmlns:a16="http://schemas.microsoft.com/office/drawing/2014/main" id="{EA1E2644-1BD8-DB4D-B01F-F617AABF793F}"/>
-              </a:ext>
-            </a:extLst>
-          </p:cNvPr>
-          <p:cNvSpPr>
-            <a:spLocks noGrp="1"/>
-          </p:cNvSpPr>
-          <p:nvPr>
-            <p:ph type="body" sz="quarter" idx="11"/>
-          </p:nvPr>
-        </p:nvSpPr>
-        <p:spPr>
-          <a:xfrm>
-            <a:off x="952500" y="4986745"/>
-            <a:ext cx="2133600" cy="205837"/>
-          </a:xfrm>
-        </p:spPr>
-        <p:txBody>
-          <a:bodyPr/>
-          <a:lstStyle/>
-          <a:p>
-            <a:r>
-              <a:rPr lang="en-US" dirty="0"/>
-              <a:t>Anna</a:t>
-            </a:r>
-          </a:p>
-          <a:p>
-            <a:endParaRPr lang="en-US" dirty="0"/>
-          </a:p>
-        </p:txBody>
-      </p:sp>
-      <p:sp>
-        <p:nvSpPr>
-          <p:cNvPr id="5" name="Text Placeholder 4">
-            <a:extLst>
-              <a:ext uri="{FF2B5EF4-FFF2-40B4-BE49-F238E27FC236}">
-                <a16:creationId xmlns:a16="http://schemas.microsoft.com/office/drawing/2014/main" id="{9642AB8A-80CA-C941-A861-E9F7C174A121}"/>
-              </a:ext>
-            </a:extLst>
-          </p:cNvPr>
-          <p:cNvSpPr>
-            <a:spLocks noGrp="1"/>
-          </p:cNvSpPr>
-          <p:nvPr>
-            <p:ph type="body" sz="quarter" idx="12"/>
-          </p:nvPr>
-        </p:nvSpPr>
-        <p:spPr>
-          <a:xfrm>
-            <a:off x="952500" y="5393169"/>
-            <a:ext cx="2133600" cy="369332"/>
-          </a:xfrm>
-        </p:spPr>
-        <p:txBody>
-          <a:bodyPr/>
-          <a:lstStyle/>
-          <a:p>
-            <a:r>
-              <a:rPr lang="en-US" dirty="0"/>
-              <a:t>CEO</a:t>
-            </a:r>
-          </a:p>
-        </p:txBody>
-      </p:sp>
-      <p:pic>
-        <p:nvPicPr>
-          <p:cNvPr id="19" name="Picture Placeholder 13" descr="Portrait of a team member">
-            <a:extLst>
-              <a:ext uri="{FF2B5EF4-FFF2-40B4-BE49-F238E27FC236}">
-                <a16:creationId xmlns:a16="http://schemas.microsoft.com/office/drawing/2014/main" id="{EF9CA003-7E17-ED41-92AE-D8D98C0825A7}"/>
-              </a:ext>
-            </a:extLst>
-          </p:cNvPr>
-          <p:cNvPicPr>
-            <a:picLocks noGrp="1" noChangeAspect="1"/>
-          </p:cNvPicPr>
-          <p:nvPr>
-            <p:ph type="pic" sz="quarter" idx="24"/>
-          </p:nvPr>
-        </p:nvPicPr>
-        <p:blipFill rotWithShape="1">
-          <a:blip r:embed="rId3">
-            <a:extLst>
-              <a:ext uri="{BEBA8EAE-BF5A-486C-A8C5-ECC9F3942E4B}">
-                <a14:imgProps xmlns:a14="http://schemas.microsoft.com/office/drawing/2010/main">
-                  <a14:imgLayer r:embed="rId4">
-                    <a14:imgEffect>
-                      <a14:saturation sat="0"/>
-                    </a14:imgEffect>
-                  </a14:imgLayer>
-                </a14:imgProps>
-              </a:ext>
-              <a:ext uri="{28A0092B-C50C-407E-A947-70E740481C1C}">
-                <a14:useLocalDpi xmlns:a14="http://schemas.microsoft.com/office/drawing/2010/main" val="0"/>
-              </a:ext>
-            </a:extLst>
-          </a:blip>
-          <a:srcRect/>
-          <a:stretch/>
-        </p:blipFill>
-        <p:spPr>
-          <a:xfrm>
-            <a:off x="3658280" y="2572883"/>
-            <a:ext cx="2118245" cy="2037217"/>
-          </a:xfrm>
-        </p:spPr>
-      </p:pic>
-      <p:sp>
-        <p:nvSpPr>
-          <p:cNvPr id="8" name="Text Placeholder 7">
-            <a:extLst>
-              <a:ext uri="{FF2B5EF4-FFF2-40B4-BE49-F238E27FC236}">
-                <a16:creationId xmlns:a16="http://schemas.microsoft.com/office/drawing/2014/main" id="{AF43A531-88E8-744E-9BB5-FD05029B1D21}"/>
-              </a:ext>
-            </a:extLst>
-          </p:cNvPr>
-          <p:cNvSpPr>
-            <a:spLocks noGrp="1"/>
-          </p:cNvSpPr>
-          <p:nvPr>
-            <p:ph type="body" sz="quarter" idx="15"/>
-          </p:nvPr>
-        </p:nvSpPr>
-        <p:spPr>
-          <a:xfrm>
-            <a:off x="3663042" y="4986745"/>
-            <a:ext cx="2128157" cy="205837"/>
-          </a:xfrm>
-        </p:spPr>
-        <p:txBody>
-          <a:bodyPr/>
-          <a:lstStyle/>
-          <a:p>
-            <a:r>
-              <a:rPr lang="en-US" dirty="0"/>
-              <a:t>Larissa</a:t>
-            </a:r>
-          </a:p>
-        </p:txBody>
-      </p:sp>
-      <p:sp>
-        <p:nvSpPr>
-          <p:cNvPr id="7" name="Text Placeholder 6">
-            <a:extLst>
-              <a:ext uri="{FF2B5EF4-FFF2-40B4-BE49-F238E27FC236}">
-                <a16:creationId xmlns:a16="http://schemas.microsoft.com/office/drawing/2014/main" id="{3590C1A1-4321-EC41-8248-D3B566DD51BD}"/>
-              </a:ext>
-            </a:extLst>
-          </p:cNvPr>
-          <p:cNvSpPr>
-            <a:spLocks noGrp="1"/>
-          </p:cNvSpPr>
-          <p:nvPr>
-            <p:ph type="body" sz="quarter" idx="13"/>
-          </p:nvPr>
-        </p:nvSpPr>
-        <p:spPr>
-          <a:xfrm>
-            <a:off x="3663042" y="5393169"/>
-            <a:ext cx="2128157" cy="369332"/>
-          </a:xfrm>
-        </p:spPr>
-        <p:txBody>
-          <a:bodyPr/>
-          <a:lstStyle/>
-          <a:p>
-            <a:r>
-              <a:rPr lang="en-US" dirty="0"/>
-              <a:t>CFO</a:t>
-            </a:r>
-          </a:p>
-        </p:txBody>
-      </p:sp>
-      <p:pic>
-        <p:nvPicPr>
-          <p:cNvPr id="41" name="Picture Placeholder 40" descr="Portrait of a team member">
-            <a:extLst>
-              <a:ext uri="{FF2B5EF4-FFF2-40B4-BE49-F238E27FC236}">
-                <a16:creationId xmlns:a16="http://schemas.microsoft.com/office/drawing/2014/main" id="{74EB486D-4A8D-4B29-8FD0-B96906E3E283}"/>
-              </a:ext>
-            </a:extLst>
-          </p:cNvPr>
-          <p:cNvPicPr>
-            <a:picLocks noGrp="1" noChangeAspect="1"/>
-          </p:cNvPicPr>
-          <p:nvPr>
-            <p:ph type="pic" sz="quarter" idx="27"/>
-          </p:nvPr>
-        </p:nvPicPr>
-        <p:blipFill rotWithShape="1">
-          <a:blip r:embed="rId5">
-            <a:extLst>
-              <a:ext uri="{28A0092B-C50C-407E-A947-70E740481C1C}">
-                <a14:useLocalDpi xmlns:a14="http://schemas.microsoft.com/office/drawing/2010/main" val="0"/>
-              </a:ext>
-            </a:extLst>
-          </a:blip>
-          <a:srcRect/>
-          <a:stretch/>
-        </p:blipFill>
-        <p:spPr>
-          <a:xfrm>
-            <a:off x="6362292" y="2572883"/>
-            <a:ext cx="2118245" cy="2037217"/>
-          </a:xfrm>
-        </p:spPr>
-      </p:pic>
-      <p:sp>
-        <p:nvSpPr>
-          <p:cNvPr id="10" name="Text Placeholder 9">
-            <a:extLst>
-              <a:ext uri="{FF2B5EF4-FFF2-40B4-BE49-F238E27FC236}">
-                <a16:creationId xmlns:a16="http://schemas.microsoft.com/office/drawing/2014/main" id="{1DF7B21D-37D3-8344-AC78-C169C79D3D2A}"/>
-              </a:ext>
-            </a:extLst>
-          </p:cNvPr>
-          <p:cNvSpPr>
-            <a:spLocks noGrp="1"/>
-          </p:cNvSpPr>
-          <p:nvPr>
-            <p:ph type="body" sz="quarter" idx="31"/>
-          </p:nvPr>
-        </p:nvSpPr>
-        <p:spPr>
-          <a:xfrm>
-            <a:off x="6367054" y="4986745"/>
-            <a:ext cx="2129245" cy="205837"/>
-          </a:xfrm>
-        </p:spPr>
-        <p:txBody>
-          <a:bodyPr/>
-          <a:lstStyle/>
-          <a:p>
-            <a:r>
-              <a:rPr lang="en-US" dirty="0"/>
-              <a:t>Roman</a:t>
-            </a:r>
-          </a:p>
-        </p:txBody>
-      </p:sp>
-      <p:sp>
-        <p:nvSpPr>
-          <p:cNvPr id="9" name="Text Placeholder 8">
-            <a:extLst>
-              <a:ext uri="{FF2B5EF4-FFF2-40B4-BE49-F238E27FC236}">
-                <a16:creationId xmlns:a16="http://schemas.microsoft.com/office/drawing/2014/main" id="{2581095F-0795-744B-A3E7-94DFB3CBF331}"/>
-              </a:ext>
-            </a:extLst>
-          </p:cNvPr>
-          <p:cNvSpPr>
-            <a:spLocks noGrp="1"/>
-          </p:cNvSpPr>
-          <p:nvPr>
-            <p:ph type="body" sz="quarter" idx="16"/>
-          </p:nvPr>
-        </p:nvSpPr>
-        <p:spPr>
-          <a:xfrm>
-            <a:off x="6367054" y="5393169"/>
-            <a:ext cx="2129245" cy="369332"/>
-          </a:xfrm>
-        </p:spPr>
-        <p:txBody>
-          <a:bodyPr/>
-          <a:lstStyle/>
-          <a:p>
-            <a:r>
-              <a:rPr lang="en-US" dirty="0"/>
-              <a:t>COO</a:t>
-            </a:r>
-          </a:p>
-        </p:txBody>
-      </p:sp>
-      <p:pic>
-        <p:nvPicPr>
-          <p:cNvPr id="21" name="Picture Placeholder 18" descr="Portrait of a team member">
-            <a:extLst>
-              <a:ext uri="{FF2B5EF4-FFF2-40B4-BE49-F238E27FC236}">
-                <a16:creationId xmlns:a16="http://schemas.microsoft.com/office/drawing/2014/main" id="{17C96991-59CF-8142-BA51-B8B56EE23D65}"/>
-              </a:ext>
-            </a:extLst>
-          </p:cNvPr>
-          <p:cNvPicPr>
-            <a:picLocks noGrp="1" noChangeAspect="1"/>
-          </p:cNvPicPr>
-          <p:nvPr>
-            <p:ph type="pic" sz="quarter" idx="30"/>
-          </p:nvPr>
-        </p:nvPicPr>
-        <p:blipFill rotWithShape="1">
-          <a:blip r:embed="rId6">
-            <a:extLst>
-              <a:ext uri="{BEBA8EAE-BF5A-486C-A8C5-ECC9F3942E4B}">
-                <a14:imgProps xmlns:a14="http://schemas.microsoft.com/office/drawing/2010/main">
-                  <a14:imgLayer r:embed="rId7">
-                    <a14:imgEffect>
-                      <a14:saturation sat="0"/>
-                    </a14:imgEffect>
-                  </a14:imgLayer>
-                </a14:imgProps>
-              </a:ext>
-              <a:ext uri="{28A0092B-C50C-407E-A947-70E740481C1C}">
-                <a14:useLocalDpi xmlns:a14="http://schemas.microsoft.com/office/drawing/2010/main" val="0"/>
-              </a:ext>
-            </a:extLst>
-          </a:blip>
-          <a:srcRect/>
-          <a:stretch/>
-        </p:blipFill>
-        <p:spPr>
-          <a:xfrm>
-            <a:off x="9112023" y="2572883"/>
-            <a:ext cx="2118245" cy="2037217"/>
-          </a:xfrm>
-        </p:spPr>
-      </p:pic>
-      <p:sp>
-        <p:nvSpPr>
-          <p:cNvPr id="12" name="Text Placeholder 11">
-            <a:extLst>
-              <a:ext uri="{FF2B5EF4-FFF2-40B4-BE49-F238E27FC236}">
-                <a16:creationId xmlns:a16="http://schemas.microsoft.com/office/drawing/2014/main" id="{70695B8F-A3CD-4845-8150-758480179C28}"/>
-              </a:ext>
-            </a:extLst>
-          </p:cNvPr>
-          <p:cNvSpPr>
-            <a:spLocks noGrp="1"/>
-          </p:cNvSpPr>
-          <p:nvPr>
-            <p:ph type="body" sz="quarter" idx="21"/>
-          </p:nvPr>
-        </p:nvSpPr>
-        <p:spPr>
-          <a:xfrm>
-            <a:off x="9110254" y="4986745"/>
-            <a:ext cx="2129245" cy="205837"/>
-          </a:xfrm>
-        </p:spPr>
-        <p:txBody>
-          <a:bodyPr/>
-          <a:lstStyle/>
-          <a:p>
-            <a:r>
-              <a:rPr lang="en-US" dirty="0"/>
-              <a:t>Federico</a:t>
-            </a:r>
-          </a:p>
-        </p:txBody>
-      </p:sp>
-      <p:sp>
-        <p:nvSpPr>
-          <p:cNvPr id="11" name="Text Placeholder 10">
-            <a:extLst>
-              <a:ext uri="{FF2B5EF4-FFF2-40B4-BE49-F238E27FC236}">
-                <a16:creationId xmlns:a16="http://schemas.microsoft.com/office/drawing/2014/main" id="{69B26C61-D5D7-CC42-848C-158367DB8216}"/>
-              </a:ext>
-            </a:extLst>
-          </p:cNvPr>
-          <p:cNvSpPr>
-            <a:spLocks noGrp="1"/>
-          </p:cNvSpPr>
-          <p:nvPr>
-            <p:ph type="body" sz="quarter" idx="19"/>
-          </p:nvPr>
-        </p:nvSpPr>
-        <p:spPr>
-          <a:xfrm>
-            <a:off x="9110254" y="5393169"/>
-            <a:ext cx="2129245" cy="369332"/>
-          </a:xfrm>
-        </p:spPr>
-        <p:txBody>
-          <a:bodyPr/>
-          <a:lstStyle/>
-          <a:p>
-            <a:r>
-              <a:rPr lang="en-US" dirty="0"/>
-              <a:t>CTO</a:t>
-            </a:r>
-          </a:p>
-        </p:txBody>
-      </p:sp>
-      <p:sp>
-        <p:nvSpPr>
-          <p:cNvPr id="17" name="Slide Number Placeholder 16">
-            <a:extLst>
-              <a:ext uri="{FF2B5EF4-FFF2-40B4-BE49-F238E27FC236}">
-                <a16:creationId xmlns:a16="http://schemas.microsoft.com/office/drawing/2014/main" id="{32DA2B67-BDBB-C945-988B-6C0D86F697CE}"/>
-              </a:ext>
-            </a:extLst>
-          </p:cNvPr>
-          <p:cNvSpPr>
-            <a:spLocks noGrp="1"/>
-          </p:cNvSpPr>
-          <p:nvPr>
-            <p:ph type="sldNum" sz="quarter" idx="34"/>
-          </p:nvPr>
-        </p:nvSpPr>
-        <p:spPr>
-          <a:xfrm>
-            <a:off x="971550" y="6332220"/>
-            <a:ext cx="523240" cy="247651"/>
-          </a:xfrm>
-        </p:spPr>
-        <p:txBody>
-          <a:bodyPr/>
-          <a:lstStyle/>
-          <a:p>
-            <a:fld id="{294A09A9-5501-47C1-A89A-A340965A2BE2}" type="slidenum">
-              <a:rPr lang="en-US" smtClean="0"/>
-              <a:pPr/>
-              <a:t>13</a:t>
-            </a:fld>
-            <a:endParaRPr lang="en-US" dirty="0"/>
-          </a:p>
-        </p:txBody>
-      </p:sp>
-    </p:spTree>
-    <p:extLst>
-      <p:ext uri="{BB962C8B-B14F-4D97-AF65-F5344CB8AC3E}">
-        <p14:creationId xmlns:p14="http://schemas.microsoft.com/office/powerpoint/2010/main" val="188845726"/>
-      </p:ext>
-    </p:extLst>
-  </p:cSld>
-  <p:clrMapOvr>
-    <a:masterClrMapping/>
-  </p:clrMapOvr>
-</p:sld>
-</file>
-
-<file path=ppt/slides/slide14.xml><?xml version="1.0" encoding="utf-8"?>
-<p:sld xmlns:a="http://schemas.openxmlformats.org/drawingml/2006/main" xmlns:r="http://schemas.openxmlformats.org/officeDocument/2006/relationships" xmlns:p="http://schemas.openxmlformats.org/presentationml/2006/main">
-  <p:cSld>
-    <p:spTree>
-      <p:nvGrpSpPr>
-        <p:cNvPr id="1" name=""/>
-        <p:cNvGrpSpPr/>
-        <p:nvPr/>
-      </p:nvGrpSpPr>
-      <p:grpSpPr>
-        <a:xfrm>
-          <a:off x="0" y="0"/>
-          <a:ext cx="0" cy="0"/>
-          <a:chOff x="0" y="0"/>
-          <a:chExt cx="0" cy="0"/>
-        </a:xfrm>
-      </p:grpSpPr>
-      <p:sp>
-        <p:nvSpPr>
-          <p:cNvPr id="2" name="Title 1">
-            <a:extLst>
-              <a:ext uri="{FF2B5EF4-FFF2-40B4-BE49-F238E27FC236}">
-                <a16:creationId xmlns:a16="http://schemas.microsoft.com/office/drawing/2014/main" id="{00319620-6CCC-A34D-9D45-D6B57F800708}"/>
-              </a:ext>
-            </a:extLst>
-          </p:cNvPr>
-          <p:cNvSpPr>
-            <a:spLocks noGrp="1"/>
-          </p:cNvSpPr>
-          <p:nvPr>
-            <p:ph type="title"/>
-          </p:nvPr>
-        </p:nvSpPr>
-        <p:spPr>
-          <a:xfrm>
-            <a:off x="964023" y="879063"/>
-            <a:ext cx="4941477" cy="610863"/>
-          </a:xfrm>
-        </p:spPr>
-        <p:txBody>
-          <a:bodyPr/>
-          <a:lstStyle/>
-          <a:p>
-            <a:r>
-              <a:rPr lang="en-US" dirty="0"/>
-              <a:t>Timeline</a:t>
-            </a:r>
-          </a:p>
-        </p:txBody>
-      </p:sp>
-      <p:sp>
-        <p:nvSpPr>
-          <p:cNvPr id="4" name="Text Placeholder 3">
-            <a:extLst>
-              <a:ext uri="{FF2B5EF4-FFF2-40B4-BE49-F238E27FC236}">
-                <a16:creationId xmlns:a16="http://schemas.microsoft.com/office/drawing/2014/main" id="{86655189-E7B2-3A4A-99EE-997592791F7D}"/>
-              </a:ext>
-            </a:extLst>
-          </p:cNvPr>
-          <p:cNvSpPr>
-            <a:spLocks noGrp="1"/>
-          </p:cNvSpPr>
-          <p:nvPr>
-            <p:ph type="body" sz="quarter" idx="11"/>
-          </p:nvPr>
-        </p:nvSpPr>
-        <p:spPr>
-          <a:xfrm>
-            <a:off x="1296955" y="2568686"/>
-            <a:ext cx="2133600" cy="205837"/>
-          </a:xfrm>
-        </p:spPr>
-        <p:txBody>
-          <a:bodyPr/>
-          <a:lstStyle/>
-          <a:p>
-            <a:r>
-              <a:rPr lang="en-US" dirty="0"/>
-              <a:t>Q1. Jul – Sep</a:t>
-            </a:r>
-          </a:p>
-        </p:txBody>
-      </p:sp>
-      <p:sp>
-        <p:nvSpPr>
-          <p:cNvPr id="3" name="Text Placeholder 2">
-            <a:extLst>
-              <a:ext uri="{FF2B5EF4-FFF2-40B4-BE49-F238E27FC236}">
-                <a16:creationId xmlns:a16="http://schemas.microsoft.com/office/drawing/2014/main" id="{6873C602-BA59-1744-B258-B489E00A3E14}"/>
-              </a:ext>
-            </a:extLst>
-          </p:cNvPr>
-          <p:cNvSpPr>
-            <a:spLocks noGrp="1"/>
-          </p:cNvSpPr>
-          <p:nvPr>
-            <p:ph type="body" sz="quarter" idx="12"/>
-          </p:nvPr>
-        </p:nvSpPr>
-        <p:spPr>
-          <a:xfrm>
-            <a:off x="1296955" y="2934856"/>
-            <a:ext cx="2133600" cy="369332"/>
-          </a:xfrm>
-        </p:spPr>
-        <p:txBody>
-          <a:bodyPr/>
-          <a:lstStyle/>
-          <a:p>
-            <a:r>
-              <a:rPr lang="en-US" dirty="0"/>
-              <a:t>Lorem ipsum dolor sit amet, consectetuer adipiscing elit, sed diam nonummy nibh.</a:t>
-            </a:r>
-          </a:p>
-          <a:p>
-            <a:endParaRPr lang="en-US" dirty="0"/>
-          </a:p>
-        </p:txBody>
-      </p:sp>
-      <p:sp>
-        <p:nvSpPr>
-          <p:cNvPr id="6" name="Text Placeholder 5">
-            <a:extLst>
-              <a:ext uri="{FF2B5EF4-FFF2-40B4-BE49-F238E27FC236}">
-                <a16:creationId xmlns:a16="http://schemas.microsoft.com/office/drawing/2014/main" id="{8D4284CF-DF13-E947-ADA5-0FD9AAC03C23}"/>
-              </a:ext>
-            </a:extLst>
-          </p:cNvPr>
-          <p:cNvSpPr>
-            <a:spLocks noGrp="1"/>
-          </p:cNvSpPr>
-          <p:nvPr>
-            <p:ph type="body" sz="quarter" idx="31"/>
-          </p:nvPr>
-        </p:nvSpPr>
-        <p:spPr>
-          <a:xfrm>
-            <a:off x="3897799" y="4701908"/>
-            <a:ext cx="2133600" cy="205837"/>
-          </a:xfrm>
-        </p:spPr>
-        <p:txBody>
-          <a:bodyPr/>
-          <a:lstStyle/>
-          <a:p>
-            <a:r>
-              <a:rPr lang="en-US" dirty="0"/>
-              <a:t>Q2. Oct – Dec	</a:t>
-            </a:r>
-          </a:p>
-        </p:txBody>
-      </p:sp>
-      <p:sp>
-        <p:nvSpPr>
-          <p:cNvPr id="5" name="Text Placeholder 4">
-            <a:extLst>
-              <a:ext uri="{FF2B5EF4-FFF2-40B4-BE49-F238E27FC236}">
-                <a16:creationId xmlns:a16="http://schemas.microsoft.com/office/drawing/2014/main" id="{FA4FEC49-A0F0-FB4E-9A87-B2EF11364721}"/>
-              </a:ext>
-            </a:extLst>
-          </p:cNvPr>
-          <p:cNvSpPr>
-            <a:spLocks noGrp="1"/>
-          </p:cNvSpPr>
-          <p:nvPr>
-            <p:ph type="body" sz="quarter" idx="30"/>
-          </p:nvPr>
-        </p:nvSpPr>
-        <p:spPr>
-          <a:xfrm>
-            <a:off x="3897799" y="5087328"/>
-            <a:ext cx="2133600" cy="369332"/>
-          </a:xfrm>
-        </p:spPr>
-        <p:txBody>
-          <a:bodyPr/>
-          <a:lstStyle/>
-          <a:p>
-            <a:r>
-              <a:rPr lang="en-US" dirty="0"/>
-              <a:t>Lorem ipsum dolor sit amet, consectetuer adipiscing elit, sed diam nonummy nibh.</a:t>
-            </a:r>
-          </a:p>
-          <a:p>
-            <a:endParaRPr lang="en-US" dirty="0"/>
-          </a:p>
-        </p:txBody>
-      </p:sp>
-      <p:sp>
-        <p:nvSpPr>
-          <p:cNvPr id="10" name="Text Placeholder 9">
-            <a:extLst>
-              <a:ext uri="{FF2B5EF4-FFF2-40B4-BE49-F238E27FC236}">
-                <a16:creationId xmlns:a16="http://schemas.microsoft.com/office/drawing/2014/main" id="{9C396C20-F6DF-C940-BE16-6E008BFF9CB9}"/>
-              </a:ext>
-            </a:extLst>
-          </p:cNvPr>
-          <p:cNvSpPr>
-            <a:spLocks noGrp="1"/>
-          </p:cNvSpPr>
-          <p:nvPr>
-            <p:ph type="body" sz="quarter" idx="35"/>
-          </p:nvPr>
-        </p:nvSpPr>
-        <p:spPr>
-          <a:xfrm>
-            <a:off x="6438143" y="2568686"/>
-            <a:ext cx="2133600" cy="205837"/>
-          </a:xfrm>
-        </p:spPr>
-        <p:txBody>
-          <a:bodyPr/>
-          <a:lstStyle/>
-          <a:p>
-            <a:r>
-              <a:rPr lang="en-US" dirty="0"/>
-              <a:t>Q3. Jan – Mar	</a:t>
-            </a:r>
-          </a:p>
-        </p:txBody>
-      </p:sp>
-      <p:sp>
-        <p:nvSpPr>
-          <p:cNvPr id="9" name="Text Placeholder 8">
-            <a:extLst>
-              <a:ext uri="{FF2B5EF4-FFF2-40B4-BE49-F238E27FC236}">
-                <a16:creationId xmlns:a16="http://schemas.microsoft.com/office/drawing/2014/main" id="{55F2A68F-70C1-7F46-9A1C-586701744F58}"/>
-              </a:ext>
-            </a:extLst>
-          </p:cNvPr>
-          <p:cNvSpPr>
-            <a:spLocks noGrp="1"/>
-          </p:cNvSpPr>
-          <p:nvPr>
-            <p:ph type="body" sz="quarter" idx="34"/>
-          </p:nvPr>
-        </p:nvSpPr>
-        <p:spPr>
-          <a:xfrm>
-            <a:off x="6438143" y="2934856"/>
-            <a:ext cx="2133600" cy="369332"/>
-          </a:xfrm>
-        </p:spPr>
-        <p:txBody>
-          <a:bodyPr/>
-          <a:lstStyle/>
-          <a:p>
-            <a:r>
-              <a:rPr lang="en-US" dirty="0"/>
-              <a:t>Lorem ipsum dolor sit amet, consectetuer adipiscing elit, sed diam nonummy nibh.</a:t>
-            </a:r>
-          </a:p>
-          <a:p>
-            <a:endParaRPr lang="en-US" dirty="0"/>
-          </a:p>
-        </p:txBody>
-      </p:sp>
-      <p:sp>
-        <p:nvSpPr>
-          <p:cNvPr id="8" name="Text Placeholder 7">
-            <a:extLst>
-              <a:ext uri="{FF2B5EF4-FFF2-40B4-BE49-F238E27FC236}">
-                <a16:creationId xmlns:a16="http://schemas.microsoft.com/office/drawing/2014/main" id="{58554997-3B04-634C-A36E-69B03113315A}"/>
-              </a:ext>
-            </a:extLst>
-          </p:cNvPr>
-          <p:cNvSpPr>
-            <a:spLocks noGrp="1"/>
-          </p:cNvSpPr>
-          <p:nvPr>
-            <p:ph type="body" sz="quarter" idx="33"/>
-          </p:nvPr>
-        </p:nvSpPr>
-        <p:spPr>
-          <a:xfrm>
-            <a:off x="9001711" y="4701908"/>
-            <a:ext cx="2133600" cy="205837"/>
-          </a:xfrm>
-        </p:spPr>
-        <p:txBody>
-          <a:bodyPr/>
-          <a:lstStyle/>
-          <a:p>
-            <a:r>
-              <a:rPr lang="en-US" dirty="0"/>
-              <a:t>Q4. Apr – Jun	</a:t>
-            </a:r>
-          </a:p>
-        </p:txBody>
-      </p:sp>
-      <p:sp>
-        <p:nvSpPr>
-          <p:cNvPr id="7" name="Text Placeholder 6">
-            <a:extLst>
-              <a:ext uri="{FF2B5EF4-FFF2-40B4-BE49-F238E27FC236}">
-                <a16:creationId xmlns:a16="http://schemas.microsoft.com/office/drawing/2014/main" id="{4E355B93-F7B4-8649-8BBF-819B529D7EC7}"/>
-              </a:ext>
-            </a:extLst>
-          </p:cNvPr>
-          <p:cNvSpPr>
-            <a:spLocks noGrp="1"/>
-          </p:cNvSpPr>
-          <p:nvPr>
-            <p:ph type="body" sz="quarter" idx="32"/>
-          </p:nvPr>
-        </p:nvSpPr>
-        <p:spPr>
-          <a:xfrm>
-            <a:off x="9001711" y="5087328"/>
-            <a:ext cx="2133600" cy="369332"/>
-          </a:xfrm>
-        </p:spPr>
-        <p:txBody>
-          <a:bodyPr/>
-          <a:lstStyle/>
-          <a:p>
-            <a:r>
-              <a:rPr lang="en-US" dirty="0"/>
-              <a:t>Lorem ipsum dolor sit amet, consectetuer adipiscing elit, sed diam nonummy nibh.</a:t>
-            </a:r>
-          </a:p>
-          <a:p>
-            <a:endParaRPr lang="en-US" dirty="0"/>
-          </a:p>
-        </p:txBody>
-      </p:sp>
-      <p:sp>
-        <p:nvSpPr>
-          <p:cNvPr id="13" name="Slide Number Placeholder 12">
-            <a:extLst>
-              <a:ext uri="{FF2B5EF4-FFF2-40B4-BE49-F238E27FC236}">
-                <a16:creationId xmlns:a16="http://schemas.microsoft.com/office/drawing/2014/main" id="{B2B0E625-26CC-9744-9B92-56905E797B65}"/>
-              </a:ext>
-            </a:extLst>
-          </p:cNvPr>
-          <p:cNvSpPr>
-            <a:spLocks noGrp="1"/>
-          </p:cNvSpPr>
-          <p:nvPr>
-            <p:ph type="sldNum" sz="quarter" idx="38"/>
-          </p:nvPr>
-        </p:nvSpPr>
-        <p:spPr>
-          <a:xfrm>
-            <a:off x="971550" y="6332220"/>
-            <a:ext cx="523240" cy="247651"/>
-          </a:xfrm>
-        </p:spPr>
-        <p:txBody>
-          <a:bodyPr/>
-          <a:lstStyle/>
-          <a:p>
-            <a:fld id="{294A09A9-5501-47C1-A89A-A340965A2BE2}" type="slidenum">
-              <a:rPr lang="en-US" smtClean="0"/>
-              <a:pPr/>
-              <a:t>14</a:t>
-            </a:fld>
-            <a:endParaRPr lang="en-US" dirty="0"/>
-          </a:p>
-        </p:txBody>
-      </p:sp>
-    </p:spTree>
-    <p:extLst>
-      <p:ext uri="{BB962C8B-B14F-4D97-AF65-F5344CB8AC3E}">
-        <p14:creationId xmlns:p14="http://schemas.microsoft.com/office/powerpoint/2010/main" val="2509101887"/>
-      </p:ext>
-    </p:extLst>
-  </p:cSld>
-  <p:clrMapOvr>
-    <a:masterClrMapping/>
-  </p:clrMapOvr>
-</p:sld>
-</file>
-
-<file path=ppt/slides/slide15.xml><?xml version="1.0" encoding="utf-8"?>
-<p:sld xmlns:a="http://schemas.openxmlformats.org/drawingml/2006/main" xmlns:r="http://schemas.openxmlformats.org/officeDocument/2006/relationships" xmlns:p="http://schemas.openxmlformats.org/presentationml/2006/main">
-  <p:cSld>
-    <p:spTree>
-      <p:nvGrpSpPr>
-        <p:cNvPr id="1" name=""/>
-        <p:cNvGrpSpPr/>
-        <p:nvPr/>
-      </p:nvGrpSpPr>
-      <p:grpSpPr>
-        <a:xfrm>
-          <a:off x="0" y="0"/>
-          <a:ext cx="0" cy="0"/>
-          <a:chOff x="0" y="0"/>
-          <a:chExt cx="0" cy="0"/>
-        </a:xfrm>
-      </p:grpSpPr>
-      <p:sp>
-        <p:nvSpPr>
-          <p:cNvPr id="2" name="Title 1">
-            <a:extLst>
-              <a:ext uri="{FF2B5EF4-FFF2-40B4-BE49-F238E27FC236}">
-                <a16:creationId xmlns:a16="http://schemas.microsoft.com/office/drawing/2014/main" id="{68F0FA04-6227-9040-92A6-9514A59B8E7B}"/>
-              </a:ext>
-            </a:extLst>
-          </p:cNvPr>
-          <p:cNvSpPr>
-            <a:spLocks noGrp="1"/>
-          </p:cNvSpPr>
-          <p:nvPr>
-            <p:ph type="title"/>
-          </p:nvPr>
-        </p:nvSpPr>
-        <p:spPr/>
-        <p:txBody>
-          <a:bodyPr/>
-          <a:lstStyle/>
-          <a:p>
-            <a:r>
-              <a:rPr lang="en-US" dirty="0"/>
-              <a:t>Goals for Q1</a:t>
-            </a:r>
-          </a:p>
-        </p:txBody>
-      </p:sp>
-      <p:sp>
-        <p:nvSpPr>
-          <p:cNvPr id="3" name="Text Placeholder 2">
-            <a:extLst>
-              <a:ext uri="{FF2B5EF4-FFF2-40B4-BE49-F238E27FC236}">
-                <a16:creationId xmlns:a16="http://schemas.microsoft.com/office/drawing/2014/main" id="{9CD657E5-4675-E84E-840E-4F6D4868C5A9}"/>
-              </a:ext>
-            </a:extLst>
-          </p:cNvPr>
-          <p:cNvSpPr>
-            <a:spLocks noGrp="1"/>
-          </p:cNvSpPr>
-          <p:nvPr>
-            <p:ph type="body" idx="1"/>
-          </p:nvPr>
-        </p:nvSpPr>
-        <p:spPr/>
-        <p:txBody>
-          <a:bodyPr/>
-          <a:lstStyle/>
-          <a:p>
-            <a:r>
-              <a:rPr lang="en-US" dirty="0"/>
-              <a:t>Business priorities</a:t>
-            </a:r>
-          </a:p>
-        </p:txBody>
-      </p:sp>
-      <p:sp>
-        <p:nvSpPr>
-          <p:cNvPr id="5" name="Content Placeholder 4">
-            <a:extLst>
-              <a:ext uri="{FF2B5EF4-FFF2-40B4-BE49-F238E27FC236}">
-                <a16:creationId xmlns:a16="http://schemas.microsoft.com/office/drawing/2014/main" id="{0B4B9306-DDC0-AD4F-A9C2-739C6AEB0172}"/>
-              </a:ext>
-            </a:extLst>
-          </p:cNvPr>
-          <p:cNvSpPr>
-            <a:spLocks noGrp="1"/>
-          </p:cNvSpPr>
-          <p:nvPr>
-            <p:ph sz="half" idx="2"/>
-          </p:nvPr>
-        </p:nvSpPr>
-        <p:spPr>
-          <a:xfrm>
-            <a:off x="964023" y="2786446"/>
-            <a:ext cx="4827178" cy="1942138"/>
-          </a:xfrm>
-        </p:spPr>
-        <p:txBody>
-          <a:bodyPr/>
-          <a:lstStyle/>
-          <a:p>
-            <a:r>
-              <a:rPr lang="en-US" dirty="0"/>
-              <a:t>Increase customer satisfaction by 2%</a:t>
-            </a:r>
-          </a:p>
-          <a:p>
-            <a:r>
-              <a:rPr lang="en-US" dirty="0"/>
-              <a:t>Maintain growth</a:t>
-            </a:r>
-          </a:p>
-          <a:p>
-            <a:r>
-              <a:rPr lang="en-US" dirty="0"/>
-              <a:t>Diversify investment in sector 2</a:t>
-            </a:r>
-          </a:p>
-          <a:p>
-            <a:r>
-              <a:rPr lang="en-US" dirty="0"/>
-              <a:t>Initiative partnership with 3</a:t>
-            </a:r>
-            <a:r>
-              <a:rPr lang="en-US" baseline="30000" dirty="0"/>
-              <a:t>rd</a:t>
-            </a:r>
-            <a:r>
-              <a:rPr lang="en-US" dirty="0"/>
-              <a:t> party organizations</a:t>
-            </a:r>
-          </a:p>
-          <a:p>
-            <a:pPr marL="0" indent="0">
-              <a:buNone/>
-            </a:pPr>
-            <a:endParaRPr lang="en-US" dirty="0"/>
-          </a:p>
-          <a:p>
-            <a:endParaRPr lang="en-US" dirty="0"/>
-          </a:p>
-        </p:txBody>
-      </p:sp>
-      <p:sp>
-        <p:nvSpPr>
-          <p:cNvPr id="4" name="Text Placeholder 3">
-            <a:extLst>
-              <a:ext uri="{FF2B5EF4-FFF2-40B4-BE49-F238E27FC236}">
-                <a16:creationId xmlns:a16="http://schemas.microsoft.com/office/drawing/2014/main" id="{6AF03CC0-7DA0-ED4F-B612-580E138D588A}"/>
-              </a:ext>
-            </a:extLst>
-          </p:cNvPr>
-          <p:cNvSpPr>
-            <a:spLocks noGrp="1"/>
-          </p:cNvSpPr>
-          <p:nvPr>
-            <p:ph type="body" idx="10"/>
-          </p:nvPr>
-        </p:nvSpPr>
-        <p:spPr/>
-        <p:txBody>
-          <a:bodyPr/>
-          <a:lstStyle/>
-          <a:p>
-            <a:r>
-              <a:rPr lang="en-US" dirty="0"/>
-              <a:t>Employee opportunities</a:t>
-            </a:r>
-          </a:p>
-        </p:txBody>
-      </p:sp>
-      <p:sp>
-        <p:nvSpPr>
-          <p:cNvPr id="6" name="Content Placeholder 5">
-            <a:extLst>
-              <a:ext uri="{FF2B5EF4-FFF2-40B4-BE49-F238E27FC236}">
-                <a16:creationId xmlns:a16="http://schemas.microsoft.com/office/drawing/2014/main" id="{B7D8EEE0-6E1C-9F47-936F-25FCC2FC368C}"/>
-              </a:ext>
-            </a:extLst>
-          </p:cNvPr>
-          <p:cNvSpPr>
-            <a:spLocks noGrp="1"/>
-          </p:cNvSpPr>
-          <p:nvPr>
-            <p:ph sz="half" idx="13"/>
-          </p:nvPr>
-        </p:nvSpPr>
-        <p:spPr/>
-        <p:txBody>
-          <a:bodyPr/>
-          <a:lstStyle/>
-          <a:p>
-            <a:r>
-              <a:rPr lang="en-US" dirty="0"/>
-              <a:t>End of fiscal celebration on July 15</a:t>
-            </a:r>
-            <a:r>
-              <a:rPr lang="en-US" baseline="30000" dirty="0"/>
-              <a:t>th</a:t>
-            </a:r>
-            <a:r>
-              <a:rPr lang="en-US" dirty="0"/>
-              <a:t> </a:t>
-            </a:r>
-          </a:p>
-          <a:p>
-            <a:r>
-              <a:rPr lang="en-US" dirty="0"/>
-              <a:t>Employee day of learning on August 14</a:t>
-            </a:r>
-            <a:r>
-              <a:rPr lang="en-US" baseline="30000" dirty="0"/>
-              <a:t>th </a:t>
-            </a:r>
-          </a:p>
-          <a:p>
-            <a:r>
-              <a:rPr lang="en-US" dirty="0"/>
-              <a:t>Employee Yoga on September 3</a:t>
-            </a:r>
-            <a:r>
-              <a:rPr lang="en-US" baseline="30000" dirty="0"/>
-              <a:t>rd</a:t>
-            </a:r>
-            <a:r>
-              <a:rPr lang="en-US" dirty="0"/>
-              <a:t> </a:t>
-            </a:r>
-          </a:p>
-          <a:p>
-            <a:r>
-              <a:rPr lang="en-US" dirty="0"/>
-              <a:t>Seminar series begins September 10</a:t>
-            </a:r>
-            <a:r>
-              <a:rPr lang="en-US" baseline="30000" dirty="0"/>
-              <a:t>th</a:t>
-            </a:r>
-            <a:r>
-              <a:rPr lang="en-US" dirty="0"/>
-              <a:t> </a:t>
-            </a:r>
-          </a:p>
-          <a:p>
-            <a:pPr marL="0" indent="0">
-              <a:buNone/>
-            </a:pPr>
-            <a:endParaRPr lang="en-US" dirty="0"/>
-          </a:p>
-        </p:txBody>
-      </p:sp>
-      <p:sp>
-        <p:nvSpPr>
-          <p:cNvPr id="9" name="Slide Number Placeholder 8">
-            <a:extLst>
-              <a:ext uri="{FF2B5EF4-FFF2-40B4-BE49-F238E27FC236}">
-                <a16:creationId xmlns:a16="http://schemas.microsoft.com/office/drawing/2014/main" id="{9A5802D8-6C81-6C4F-97CF-C1F2344EE894}"/>
-              </a:ext>
-            </a:extLst>
-          </p:cNvPr>
-          <p:cNvSpPr>
-            <a:spLocks noGrp="1"/>
-          </p:cNvSpPr>
-          <p:nvPr>
-            <p:ph type="sldNum" sz="quarter" idx="16"/>
-          </p:nvPr>
-        </p:nvSpPr>
-        <p:spPr>
-          <a:xfrm>
-            <a:off x="971550" y="6332220"/>
-            <a:ext cx="523240" cy="247651"/>
-          </a:xfrm>
-        </p:spPr>
-        <p:txBody>
-          <a:bodyPr/>
-          <a:lstStyle/>
-          <a:p>
-            <a:pPr algn="l"/>
-            <a:fld id="{294A09A9-5501-47C1-A89A-A340965A2BE2}" type="slidenum">
-              <a:rPr lang="en-US" smtClean="0"/>
-              <a:pPr algn="l"/>
-              <a:t>15</a:t>
-            </a:fld>
-            <a:endParaRPr lang="en-US" dirty="0"/>
-          </a:p>
-        </p:txBody>
-      </p:sp>
-    </p:spTree>
-    <p:extLst>
-      <p:ext uri="{BB962C8B-B14F-4D97-AF65-F5344CB8AC3E}">
-        <p14:creationId xmlns:p14="http://schemas.microsoft.com/office/powerpoint/2010/main" val="767675903"/>
-      </p:ext>
-    </p:extLst>
-  </p:cSld>
-  <p:clrMapOvr>
-    <a:masterClrMapping/>
-  </p:clrMapOvr>
-</p:sld>
-</file>
-
-<file path=ppt/slides/slide16.xml><?xml version="1.0" encoding="utf-8"?>
-<p:sld xmlns:a="http://schemas.openxmlformats.org/drawingml/2006/main" xmlns:r="http://schemas.openxmlformats.org/officeDocument/2006/relationships" xmlns:p="http://schemas.openxmlformats.org/presentationml/2006/main">
-  <p:cSld>
-    <p:spTree>
-      <p:nvGrpSpPr>
-        <p:cNvPr id="1" name=""/>
-        <p:cNvGrpSpPr/>
-        <p:nvPr/>
-      </p:nvGrpSpPr>
-      <p:grpSpPr>
-        <a:xfrm>
-          <a:off x="0" y="0"/>
-          <a:ext cx="0" cy="0"/>
-          <a:chOff x="0" y="0"/>
-          <a:chExt cx="0" cy="0"/>
-        </a:xfrm>
-      </p:grpSpPr>
-      <p:sp>
-        <p:nvSpPr>
-          <p:cNvPr id="2" name="Title 1">
-            <a:extLst>
-              <a:ext uri="{FF2B5EF4-FFF2-40B4-BE49-F238E27FC236}">
-                <a16:creationId xmlns:a16="http://schemas.microsoft.com/office/drawing/2014/main" id="{C18026B5-2F88-BA48-A996-4A13FDFAA43A}"/>
-              </a:ext>
-            </a:extLst>
-          </p:cNvPr>
-          <p:cNvSpPr>
-            <a:spLocks noGrp="1"/>
-          </p:cNvSpPr>
-          <p:nvPr>
-            <p:ph type="title"/>
-          </p:nvPr>
-        </p:nvSpPr>
-        <p:spPr/>
-        <p:txBody>
-          <a:bodyPr/>
-          <a:lstStyle/>
-          <a:p>
-            <a:r>
-              <a:rPr lang="en-US" dirty="0"/>
-              <a:t>Goals for Q2</a:t>
-            </a:r>
-          </a:p>
-        </p:txBody>
-      </p:sp>
-      <p:sp>
-        <p:nvSpPr>
-          <p:cNvPr id="3" name="Text Placeholder 2">
-            <a:extLst>
-              <a:ext uri="{FF2B5EF4-FFF2-40B4-BE49-F238E27FC236}">
-                <a16:creationId xmlns:a16="http://schemas.microsoft.com/office/drawing/2014/main" id="{A5ABDF8F-0AD5-5C43-9EF3-8679B9897E01}"/>
-              </a:ext>
-            </a:extLst>
-          </p:cNvPr>
-          <p:cNvSpPr>
-            <a:spLocks noGrp="1"/>
-          </p:cNvSpPr>
-          <p:nvPr>
-            <p:ph type="body" idx="1"/>
-          </p:nvPr>
-        </p:nvSpPr>
-        <p:spPr/>
-        <p:txBody>
-          <a:bodyPr/>
-          <a:lstStyle/>
-          <a:p>
-            <a:r>
-              <a:rPr lang="en-US" dirty="0"/>
-              <a:t>Business priorities</a:t>
-            </a:r>
-          </a:p>
-        </p:txBody>
-      </p:sp>
-      <p:sp>
-        <p:nvSpPr>
-          <p:cNvPr id="4" name="Content Placeholder 3">
-            <a:extLst>
-              <a:ext uri="{FF2B5EF4-FFF2-40B4-BE49-F238E27FC236}">
-                <a16:creationId xmlns:a16="http://schemas.microsoft.com/office/drawing/2014/main" id="{7782A119-28D1-B54D-A879-A0DDEC296674}"/>
-              </a:ext>
-            </a:extLst>
-          </p:cNvPr>
-          <p:cNvSpPr>
-            <a:spLocks noGrp="1"/>
-          </p:cNvSpPr>
-          <p:nvPr>
-            <p:ph sz="half" idx="2"/>
-          </p:nvPr>
-        </p:nvSpPr>
-        <p:spPr>
-          <a:xfrm>
-            <a:off x="952500" y="2786446"/>
-            <a:ext cx="3036477" cy="1942138"/>
-          </a:xfrm>
-        </p:spPr>
-        <p:txBody>
-          <a:bodyPr/>
-          <a:lstStyle/>
-          <a:p>
-            <a:r>
-              <a:rPr lang="en-US" dirty="0"/>
-              <a:t>Increase customer satisfaction </a:t>
-            </a:r>
-            <a:br>
-              <a:rPr lang="en-US" dirty="0"/>
-            </a:br>
-            <a:r>
-              <a:rPr lang="en-US" dirty="0"/>
-              <a:t>by 2%</a:t>
-            </a:r>
-          </a:p>
-          <a:p>
-            <a:r>
-              <a:rPr lang="en-US" dirty="0"/>
-              <a:t>Maintain growth</a:t>
-            </a:r>
-          </a:p>
-          <a:p>
-            <a:pPr marL="0" indent="0">
-              <a:buNone/>
-            </a:pPr>
-            <a:endParaRPr lang="en-US" dirty="0"/>
-          </a:p>
-          <a:p>
-            <a:endParaRPr lang="en-US" dirty="0"/>
-          </a:p>
-        </p:txBody>
-      </p:sp>
-      <p:sp>
-        <p:nvSpPr>
-          <p:cNvPr id="5" name="Text Placeholder 4">
-            <a:extLst>
-              <a:ext uri="{FF2B5EF4-FFF2-40B4-BE49-F238E27FC236}">
-                <a16:creationId xmlns:a16="http://schemas.microsoft.com/office/drawing/2014/main" id="{B55E5840-ED0D-0349-88F3-4E90A0094985}"/>
-              </a:ext>
-            </a:extLst>
-          </p:cNvPr>
-          <p:cNvSpPr>
-            <a:spLocks noGrp="1"/>
-          </p:cNvSpPr>
-          <p:nvPr>
-            <p:ph type="body" idx="10"/>
-          </p:nvPr>
-        </p:nvSpPr>
-        <p:spPr/>
-        <p:txBody>
-          <a:bodyPr/>
-          <a:lstStyle/>
-          <a:p>
-            <a:r>
-              <a:rPr lang="en-US" dirty="0"/>
-              <a:t>Added priorities</a:t>
-            </a:r>
-          </a:p>
-        </p:txBody>
-      </p:sp>
-      <p:sp>
-        <p:nvSpPr>
-          <p:cNvPr id="6" name="Content Placeholder 5">
-            <a:extLst>
-              <a:ext uri="{FF2B5EF4-FFF2-40B4-BE49-F238E27FC236}">
-                <a16:creationId xmlns:a16="http://schemas.microsoft.com/office/drawing/2014/main" id="{34801285-85FB-FD43-9631-322998389AF0}"/>
-              </a:ext>
-            </a:extLst>
-          </p:cNvPr>
-          <p:cNvSpPr>
-            <a:spLocks noGrp="1"/>
-          </p:cNvSpPr>
-          <p:nvPr>
-            <p:ph sz="half" idx="11"/>
-          </p:nvPr>
-        </p:nvSpPr>
-        <p:spPr/>
-        <p:txBody>
-          <a:bodyPr/>
-          <a:lstStyle/>
-          <a:p>
-            <a:r>
-              <a:rPr lang="en-US" dirty="0"/>
-              <a:t>Decrease the number of rotations </a:t>
-            </a:r>
-            <a:br>
-              <a:rPr lang="en-US" dirty="0"/>
-            </a:br>
-            <a:r>
-              <a:rPr lang="en-US" dirty="0"/>
-              <a:t>by at least 2</a:t>
-            </a:r>
-          </a:p>
-          <a:p>
-            <a:r>
-              <a:rPr lang="en-US" dirty="0"/>
-              <a:t>Ensure the cost of development stays below budget</a:t>
-            </a:r>
-          </a:p>
-        </p:txBody>
-      </p:sp>
-      <p:sp>
-        <p:nvSpPr>
-          <p:cNvPr id="7" name="Text Placeholder 6">
-            <a:extLst>
-              <a:ext uri="{FF2B5EF4-FFF2-40B4-BE49-F238E27FC236}">
-                <a16:creationId xmlns:a16="http://schemas.microsoft.com/office/drawing/2014/main" id="{8820E658-15B8-6C4B-A736-3D894774670E}"/>
-              </a:ext>
-            </a:extLst>
-          </p:cNvPr>
-          <p:cNvSpPr>
-            <a:spLocks noGrp="1"/>
-          </p:cNvSpPr>
-          <p:nvPr>
-            <p:ph type="body" idx="12"/>
-          </p:nvPr>
-        </p:nvSpPr>
-        <p:spPr/>
-        <p:txBody>
-          <a:bodyPr/>
-          <a:lstStyle/>
-          <a:p>
-            <a:r>
-              <a:rPr lang="en-US" dirty="0"/>
-              <a:t>Employee opportunities</a:t>
-            </a:r>
-          </a:p>
-        </p:txBody>
-      </p:sp>
-      <p:sp>
-        <p:nvSpPr>
-          <p:cNvPr id="8" name="Content Placeholder 7">
-            <a:extLst>
-              <a:ext uri="{FF2B5EF4-FFF2-40B4-BE49-F238E27FC236}">
-                <a16:creationId xmlns:a16="http://schemas.microsoft.com/office/drawing/2014/main" id="{7F52F621-1B1F-5E49-939F-12BD1A0FD522}"/>
-              </a:ext>
-            </a:extLst>
-          </p:cNvPr>
-          <p:cNvSpPr>
-            <a:spLocks noGrp="1"/>
-          </p:cNvSpPr>
-          <p:nvPr>
-            <p:ph sz="half" idx="13"/>
-          </p:nvPr>
-        </p:nvSpPr>
-        <p:spPr/>
-        <p:txBody>
-          <a:bodyPr/>
-          <a:lstStyle/>
-          <a:p>
-            <a:r>
-              <a:rPr lang="en-US" dirty="0"/>
-              <a:t>Interns begin</a:t>
-            </a:r>
-          </a:p>
-          <a:p>
-            <a:r>
-              <a:rPr lang="en-US" dirty="0"/>
-              <a:t>Indoor rec leagues</a:t>
-            </a:r>
-          </a:p>
-          <a:p>
-            <a:r>
-              <a:rPr lang="en-US" dirty="0"/>
-              <a:t>Chess tournaments</a:t>
-            </a:r>
-          </a:p>
-          <a:p>
-            <a:r>
-              <a:rPr lang="en-US" dirty="0"/>
-              <a:t>Big Game watching party</a:t>
-            </a:r>
-          </a:p>
-          <a:p>
-            <a:r>
-              <a:rPr lang="en-US" dirty="0"/>
-              <a:t>Food drive</a:t>
-            </a:r>
-          </a:p>
-          <a:p>
-            <a:pPr marL="0" indent="0">
-              <a:buNone/>
-            </a:pPr>
-            <a:endParaRPr lang="en-US" dirty="0"/>
-          </a:p>
-          <a:p>
-            <a:pPr marL="0" indent="0">
-              <a:buNone/>
-            </a:pPr>
-            <a:endParaRPr lang="en-US" dirty="0"/>
-          </a:p>
-          <a:p>
-            <a:endParaRPr lang="en-US" dirty="0"/>
-          </a:p>
-        </p:txBody>
-      </p:sp>
-      <p:sp>
-        <p:nvSpPr>
-          <p:cNvPr id="11" name="Slide Number Placeholder 10">
-            <a:extLst>
-              <a:ext uri="{FF2B5EF4-FFF2-40B4-BE49-F238E27FC236}">
-                <a16:creationId xmlns:a16="http://schemas.microsoft.com/office/drawing/2014/main" id="{8B50C3FA-D20D-3049-9C7F-6F37D4E022C5}"/>
-              </a:ext>
-            </a:extLst>
-          </p:cNvPr>
-          <p:cNvSpPr>
-            <a:spLocks noGrp="1"/>
-          </p:cNvSpPr>
-          <p:nvPr>
-            <p:ph type="sldNum" sz="quarter" idx="16"/>
-          </p:nvPr>
-        </p:nvSpPr>
-        <p:spPr>
-          <a:xfrm>
-            <a:off x="971550" y="6332220"/>
-            <a:ext cx="523240" cy="247651"/>
-          </a:xfrm>
-        </p:spPr>
-        <p:txBody>
-          <a:bodyPr/>
-          <a:lstStyle/>
-          <a:p>
-            <a:pPr algn="l"/>
-            <a:fld id="{294A09A9-5501-47C1-A89A-A340965A2BE2}" type="slidenum">
-              <a:rPr lang="en-US" smtClean="0"/>
-              <a:pPr algn="l"/>
-              <a:t>16</a:t>
-            </a:fld>
-            <a:endParaRPr lang="en-US" dirty="0"/>
-          </a:p>
-        </p:txBody>
-      </p:sp>
-    </p:spTree>
-    <p:extLst>
-      <p:ext uri="{BB962C8B-B14F-4D97-AF65-F5344CB8AC3E}">
-        <p14:creationId xmlns:p14="http://schemas.microsoft.com/office/powerpoint/2010/main" val="495483412"/>
-      </p:ext>
-    </p:extLst>
-  </p:cSld>
-  <p:clrMapOvr>
-    <a:masterClrMapping/>
-  </p:clrMapOvr>
-</p:sld>
-</file>
-
-<file path=ppt/slides/slide17.xml><?xml version="1.0" encoding="utf-8"?>
-<p:sld xmlns:a="http://schemas.openxmlformats.org/drawingml/2006/main" xmlns:r="http://schemas.openxmlformats.org/officeDocument/2006/relationships" xmlns:p="http://schemas.openxmlformats.org/presentationml/2006/main">
-  <p:cSld>
-    <p:spTree>
-      <p:nvGrpSpPr>
-        <p:cNvPr id="1" name=""/>
-        <p:cNvGrpSpPr/>
-        <p:nvPr/>
-      </p:nvGrpSpPr>
-      <p:grpSpPr>
-        <a:xfrm>
-          <a:off x="0" y="0"/>
-          <a:ext cx="0" cy="0"/>
-          <a:chOff x="0" y="0"/>
-          <a:chExt cx="0" cy="0"/>
-        </a:xfrm>
-      </p:grpSpPr>
-      <p:sp>
-        <p:nvSpPr>
-          <p:cNvPr id="2" name="Title 1">
-            <a:extLst>
-              <a:ext uri="{FF2B5EF4-FFF2-40B4-BE49-F238E27FC236}">
-                <a16:creationId xmlns:a16="http://schemas.microsoft.com/office/drawing/2014/main" id="{8C122DF8-59D4-D94D-8ED9-F2F319899DBF}"/>
-              </a:ext>
-            </a:extLst>
-          </p:cNvPr>
-          <p:cNvSpPr>
-            <a:spLocks noGrp="1"/>
-          </p:cNvSpPr>
-          <p:nvPr>
-            <p:ph type="title"/>
-          </p:nvPr>
-        </p:nvSpPr>
-        <p:spPr/>
-        <p:txBody>
-          <a:bodyPr/>
-          <a:lstStyle/>
-          <a:p>
-            <a:r>
-              <a:rPr lang="en-US" dirty="0"/>
-              <a:t>Summary</a:t>
-            </a:r>
-          </a:p>
-        </p:txBody>
-      </p:sp>
-      <p:sp>
-        <p:nvSpPr>
-          <p:cNvPr id="45" name="Text Placeholder 44">
-            <a:extLst>
-              <a:ext uri="{FF2B5EF4-FFF2-40B4-BE49-F238E27FC236}">
-                <a16:creationId xmlns:a16="http://schemas.microsoft.com/office/drawing/2014/main" id="{803A1E73-C790-447A-974F-B3ADB50149F7}"/>
-              </a:ext>
-            </a:extLst>
-          </p:cNvPr>
-          <p:cNvSpPr>
-            <a:spLocks noGrp="1"/>
-          </p:cNvSpPr>
-          <p:nvPr>
-            <p:ph type="body" sz="quarter" idx="12"/>
-          </p:nvPr>
-        </p:nvSpPr>
-        <p:spPr/>
-        <p:txBody>
-          <a:bodyPr/>
-          <a:lstStyle/>
-          <a:p>
-            <a:r>
-              <a:rPr lang="en-US" dirty="0"/>
-              <a:t>Our business is good</a:t>
-            </a:r>
-          </a:p>
-        </p:txBody>
-      </p:sp>
-      <p:sp>
-        <p:nvSpPr>
-          <p:cNvPr id="44" name="Text Placeholder 43">
-            <a:extLst>
-              <a:ext uri="{FF2B5EF4-FFF2-40B4-BE49-F238E27FC236}">
-                <a16:creationId xmlns:a16="http://schemas.microsoft.com/office/drawing/2014/main" id="{906E4DF9-127F-4650-8BAA-2521A37885B0}"/>
-              </a:ext>
-            </a:extLst>
-          </p:cNvPr>
-          <p:cNvSpPr>
-            <a:spLocks noGrp="1"/>
-          </p:cNvSpPr>
-          <p:nvPr>
-            <p:ph type="body" sz="quarter" idx="10"/>
-          </p:nvPr>
-        </p:nvSpPr>
-        <p:spPr/>
-        <p:txBody>
-          <a:bodyPr/>
-          <a:lstStyle/>
-          <a:p>
-            <a:r>
-              <a:rPr lang="en-US" dirty="0"/>
-              <a:t>Profits are up in the last quarter by 3%</a:t>
-            </a:r>
-          </a:p>
-        </p:txBody>
-      </p:sp>
-      <p:sp>
-        <p:nvSpPr>
-          <p:cNvPr id="47" name="Text Placeholder 46">
-            <a:extLst>
-              <a:ext uri="{FF2B5EF4-FFF2-40B4-BE49-F238E27FC236}">
-                <a16:creationId xmlns:a16="http://schemas.microsoft.com/office/drawing/2014/main" id="{DDA232CE-EB44-41DD-920C-AEDD5C33D2A5}"/>
-              </a:ext>
-            </a:extLst>
-          </p:cNvPr>
-          <p:cNvSpPr>
-            <a:spLocks noGrp="1"/>
-          </p:cNvSpPr>
-          <p:nvPr>
-            <p:ph type="body" sz="quarter" idx="14"/>
-          </p:nvPr>
-        </p:nvSpPr>
-        <p:spPr/>
-        <p:txBody>
-          <a:bodyPr/>
-          <a:lstStyle/>
-          <a:p>
-            <a:r>
-              <a:rPr lang="en-US" dirty="0"/>
-              <a:t>We’re getting our work done</a:t>
-            </a:r>
-          </a:p>
-        </p:txBody>
-      </p:sp>
-      <p:sp>
-        <p:nvSpPr>
-          <p:cNvPr id="46" name="Text Placeholder 45">
-            <a:extLst>
-              <a:ext uri="{FF2B5EF4-FFF2-40B4-BE49-F238E27FC236}">
-                <a16:creationId xmlns:a16="http://schemas.microsoft.com/office/drawing/2014/main" id="{A09D80D2-95FB-43C6-96F8-7EF7737C28BA}"/>
-              </a:ext>
-            </a:extLst>
-          </p:cNvPr>
-          <p:cNvSpPr>
-            <a:spLocks noGrp="1"/>
-          </p:cNvSpPr>
-          <p:nvPr>
-            <p:ph type="body" sz="quarter" idx="13"/>
-          </p:nvPr>
-        </p:nvSpPr>
-        <p:spPr/>
-        <p:txBody>
-          <a:bodyPr/>
-          <a:lstStyle/>
-          <a:p>
-            <a:r>
-              <a:rPr lang="en-US" dirty="0"/>
-              <a:t>We finished the consolidation project</a:t>
-            </a:r>
-          </a:p>
-        </p:txBody>
-      </p:sp>
-      <p:sp>
-        <p:nvSpPr>
-          <p:cNvPr id="49" name="Text Placeholder 48">
-            <a:extLst>
-              <a:ext uri="{FF2B5EF4-FFF2-40B4-BE49-F238E27FC236}">
-                <a16:creationId xmlns:a16="http://schemas.microsoft.com/office/drawing/2014/main" id="{ED796758-F31D-4250-A439-D6DE9523C88B}"/>
-              </a:ext>
-            </a:extLst>
-          </p:cNvPr>
-          <p:cNvSpPr>
-            <a:spLocks noGrp="1"/>
-          </p:cNvSpPr>
-          <p:nvPr>
-            <p:ph type="body" sz="quarter" idx="16"/>
-          </p:nvPr>
-        </p:nvSpPr>
-        <p:spPr/>
-        <p:txBody>
-          <a:bodyPr/>
-          <a:lstStyle/>
-          <a:p>
-            <a:r>
-              <a:rPr lang="en-US" dirty="0"/>
-              <a:t>We’re delivering for our customers</a:t>
-            </a:r>
-          </a:p>
-        </p:txBody>
-      </p:sp>
-      <p:sp>
-        <p:nvSpPr>
-          <p:cNvPr id="48" name="Text Placeholder 47">
-            <a:extLst>
-              <a:ext uri="{FF2B5EF4-FFF2-40B4-BE49-F238E27FC236}">
-                <a16:creationId xmlns:a16="http://schemas.microsoft.com/office/drawing/2014/main" id="{CEBFC0C0-C506-47F0-AE21-8A46DB86644A}"/>
-              </a:ext>
-            </a:extLst>
-          </p:cNvPr>
-          <p:cNvSpPr>
-            <a:spLocks noGrp="1"/>
-          </p:cNvSpPr>
-          <p:nvPr>
-            <p:ph type="body" sz="quarter" idx="15"/>
-          </p:nvPr>
-        </p:nvSpPr>
-        <p:spPr/>
-        <p:txBody>
-          <a:bodyPr/>
-          <a:lstStyle/>
-          <a:p>
-            <a:r>
-              <a:rPr lang="en-US" dirty="0"/>
-              <a:t>Last year we supported thousands of customers and</a:t>
-            </a:r>
-          </a:p>
-          <a:p>
-            <a:r>
-              <a:rPr lang="en-US" dirty="0"/>
-              <a:t>sold 60,000 units</a:t>
-            </a:r>
-          </a:p>
-        </p:txBody>
-      </p:sp>
-      <p:sp>
-        <p:nvSpPr>
-          <p:cNvPr id="51" name="Text Placeholder 50">
-            <a:extLst>
-              <a:ext uri="{FF2B5EF4-FFF2-40B4-BE49-F238E27FC236}">
-                <a16:creationId xmlns:a16="http://schemas.microsoft.com/office/drawing/2014/main" id="{D582AC9C-B267-4C04-9E50-051DE433538C}"/>
-              </a:ext>
-            </a:extLst>
-          </p:cNvPr>
-          <p:cNvSpPr>
-            <a:spLocks noGrp="1"/>
-          </p:cNvSpPr>
-          <p:nvPr>
-            <p:ph type="body" sz="quarter" idx="18"/>
-          </p:nvPr>
-        </p:nvSpPr>
-        <p:spPr/>
-        <p:txBody>
-          <a:bodyPr/>
-          <a:lstStyle/>
-          <a:p>
-            <a:r>
-              <a:rPr lang="en-US" dirty="0"/>
-              <a:t>Our customers keep coming back</a:t>
-            </a:r>
-          </a:p>
-        </p:txBody>
-      </p:sp>
-      <p:sp>
-        <p:nvSpPr>
-          <p:cNvPr id="50" name="Text Placeholder 49">
-            <a:extLst>
-              <a:ext uri="{FF2B5EF4-FFF2-40B4-BE49-F238E27FC236}">
-                <a16:creationId xmlns:a16="http://schemas.microsoft.com/office/drawing/2014/main" id="{C60A09F8-DA84-487F-81AC-337BE4A9F35B}"/>
-              </a:ext>
-            </a:extLst>
-          </p:cNvPr>
-          <p:cNvSpPr>
-            <a:spLocks noGrp="1"/>
-          </p:cNvSpPr>
-          <p:nvPr>
-            <p:ph type="body" sz="quarter" idx="17"/>
-          </p:nvPr>
-        </p:nvSpPr>
-        <p:spPr/>
-        <p:txBody>
-          <a:bodyPr/>
-          <a:lstStyle/>
-          <a:p>
-            <a:r>
-              <a:rPr lang="en-US" dirty="0"/>
-              <a:t>We increased customer retention by 4%</a:t>
-            </a:r>
-          </a:p>
-        </p:txBody>
-      </p:sp>
-      <p:sp>
-        <p:nvSpPr>
-          <p:cNvPr id="53" name="Text Placeholder 52">
-            <a:extLst>
-              <a:ext uri="{FF2B5EF4-FFF2-40B4-BE49-F238E27FC236}">
-                <a16:creationId xmlns:a16="http://schemas.microsoft.com/office/drawing/2014/main" id="{A1B673DD-4FEC-4191-8446-77B89805FF2B}"/>
-              </a:ext>
-            </a:extLst>
-          </p:cNvPr>
-          <p:cNvSpPr>
-            <a:spLocks noGrp="1"/>
-          </p:cNvSpPr>
-          <p:nvPr>
-            <p:ph type="body" sz="quarter" idx="20"/>
-          </p:nvPr>
-        </p:nvSpPr>
-        <p:spPr/>
-        <p:txBody>
-          <a:bodyPr/>
-          <a:lstStyle/>
-          <a:p>
-            <a:r>
-              <a:rPr lang="en-US" dirty="0"/>
-              <a:t>We’re leaders</a:t>
-            </a:r>
-          </a:p>
-        </p:txBody>
-      </p:sp>
-      <p:sp>
-        <p:nvSpPr>
-          <p:cNvPr id="52" name="Text Placeholder 51">
-            <a:extLst>
-              <a:ext uri="{FF2B5EF4-FFF2-40B4-BE49-F238E27FC236}">
-                <a16:creationId xmlns:a16="http://schemas.microsoft.com/office/drawing/2014/main" id="{1E84004F-53E7-47E5-A493-1980475C42D4}"/>
-              </a:ext>
-            </a:extLst>
-          </p:cNvPr>
-          <p:cNvSpPr>
-            <a:spLocks noGrp="1"/>
-          </p:cNvSpPr>
-          <p:nvPr>
-            <p:ph type="body" sz="quarter" idx="19"/>
-          </p:nvPr>
-        </p:nvSpPr>
-        <p:spPr/>
-        <p:txBody>
-          <a:bodyPr/>
-          <a:lstStyle/>
-          <a:p>
-            <a:r>
-              <a:rPr lang="en-US" dirty="0"/>
-              <a:t>We are top leaders in the industry</a:t>
-            </a:r>
-          </a:p>
-          <a:p>
-            <a:r>
-              <a:rPr lang="en-US" dirty="0"/>
-              <a:t>across the board</a:t>
-            </a:r>
-          </a:p>
-        </p:txBody>
-      </p:sp>
-      <p:sp>
-        <p:nvSpPr>
-          <p:cNvPr id="5" name="Slide Number Placeholder 4">
-            <a:extLst>
-              <a:ext uri="{FF2B5EF4-FFF2-40B4-BE49-F238E27FC236}">
-                <a16:creationId xmlns:a16="http://schemas.microsoft.com/office/drawing/2014/main" id="{AB744071-0CE2-7746-9315-22EC28A0F462}"/>
-              </a:ext>
-            </a:extLst>
-          </p:cNvPr>
-          <p:cNvSpPr>
-            <a:spLocks noGrp="1"/>
-          </p:cNvSpPr>
-          <p:nvPr>
-            <p:ph type="sldNum" sz="quarter" idx="23"/>
-          </p:nvPr>
-        </p:nvSpPr>
-        <p:spPr>
-          <a:xfrm>
-            <a:off x="971550" y="6332220"/>
-            <a:ext cx="523240" cy="247651"/>
-          </a:xfrm>
-        </p:spPr>
-        <p:txBody>
-          <a:bodyPr/>
-          <a:lstStyle/>
-          <a:p>
-            <a:fld id="{294A09A9-5501-47C1-A89A-A340965A2BE2}" type="slidenum">
-              <a:rPr lang="en-US" smtClean="0"/>
-              <a:pPr/>
-              <a:t>17</a:t>
-            </a:fld>
-            <a:endParaRPr lang="en-US" dirty="0"/>
-          </a:p>
-        </p:txBody>
-      </p:sp>
-    </p:spTree>
-    <p:extLst>
-      <p:ext uri="{BB962C8B-B14F-4D97-AF65-F5344CB8AC3E}">
-        <p14:creationId xmlns:p14="http://schemas.microsoft.com/office/powerpoint/2010/main" val="643842168"/>
-      </p:ext>
-    </p:extLst>
-  </p:cSld>
-  <p:clrMapOvr>
-    <a:masterClrMapping/>
-  </p:clrMapOvr>
-</p:sld>
-</file>
-
-<file path=ppt/slides/slide18.xml><?xml version="1.0" encoding="utf-8"?>
-<p:sld xmlns:a="http://schemas.openxmlformats.org/drawingml/2006/main" xmlns:r="http://schemas.openxmlformats.org/officeDocument/2006/relationships" xmlns:p="http://schemas.openxmlformats.org/presentationml/2006/main">
-  <p:cSld>
-    <p:spTree>
-      <p:nvGrpSpPr>
-        <p:cNvPr id="1" name=""/>
-        <p:cNvGrpSpPr/>
-        <p:nvPr/>
-      </p:nvGrpSpPr>
-      <p:grpSpPr>
-        <a:xfrm>
-          <a:off x="0" y="0"/>
-          <a:ext cx="0" cy="0"/>
-          <a:chOff x="0" y="0"/>
-          <a:chExt cx="0" cy="0"/>
-        </a:xfrm>
-      </p:grpSpPr>
-      <p:sp>
-        <p:nvSpPr>
-          <p:cNvPr id="2" name="Title 1">
-            <a:extLst>
-              <a:ext uri="{FF2B5EF4-FFF2-40B4-BE49-F238E27FC236}">
-                <a16:creationId xmlns:a16="http://schemas.microsoft.com/office/drawing/2014/main" id="{51DF3D98-3C30-4CFC-8643-C81E829C8C25}"/>
-              </a:ext>
-            </a:extLst>
-          </p:cNvPr>
-          <p:cNvSpPr>
-            <a:spLocks noGrp="1"/>
-          </p:cNvSpPr>
-          <p:nvPr>
-            <p:ph type="title"/>
-          </p:nvPr>
-        </p:nvSpPr>
-        <p:spPr/>
-        <p:txBody>
-          <a:bodyPr/>
-          <a:lstStyle/>
-          <a:p>
-            <a:r>
-              <a:rPr lang="en-US" dirty="0"/>
-              <a:t>Thank you</a:t>
-            </a:r>
-          </a:p>
-        </p:txBody>
-      </p:sp>
-      <p:sp>
-        <p:nvSpPr>
-          <p:cNvPr id="11" name="Subtitle 10">
-            <a:extLst>
-              <a:ext uri="{FF2B5EF4-FFF2-40B4-BE49-F238E27FC236}">
-                <a16:creationId xmlns:a16="http://schemas.microsoft.com/office/drawing/2014/main" id="{F0F25866-5DB1-334A-8037-692579FBDE39}"/>
-              </a:ext>
-            </a:extLst>
-          </p:cNvPr>
-          <p:cNvSpPr>
-            <a:spLocks noGrp="1"/>
-          </p:cNvSpPr>
-          <p:nvPr>
-            <p:ph type="subTitle" idx="1"/>
-          </p:nvPr>
-        </p:nvSpPr>
-        <p:spPr/>
-        <p:txBody>
-          <a:bodyPr/>
-          <a:lstStyle/>
-          <a:p>
-            <a:r>
-              <a:rPr lang="en-US" dirty="0"/>
-              <a:t>Thanks to your commitment and strong work ethic, we know next year will be even better than the last. </a:t>
-            </a:r>
-          </a:p>
-          <a:p>
-            <a:r>
-              <a:rPr lang="en-US" dirty="0"/>
-              <a:t>We look forward to working together. </a:t>
-            </a:r>
-          </a:p>
-          <a:p>
-            <a:endParaRPr lang="en-US" dirty="0"/>
-          </a:p>
-        </p:txBody>
-      </p:sp>
-      <p:pic>
-        <p:nvPicPr>
-          <p:cNvPr id="13" name="Picture Placeholder 12" descr="Portrait of a team member">
-            <a:extLst>
-              <a:ext uri="{FF2B5EF4-FFF2-40B4-BE49-F238E27FC236}">
-                <a16:creationId xmlns:a16="http://schemas.microsoft.com/office/drawing/2014/main" id="{EC944911-7CDD-41CC-A7F0-5B0CF85D545C}"/>
-              </a:ext>
-              <a:ext uri="{C183D7F6-B498-43B3-948B-1728B52AA6E4}">
-                <adec:decorative xmlns:adec="http://schemas.microsoft.com/office/drawing/2017/decorative" val="0"/>
-              </a:ext>
-            </a:extLst>
-          </p:cNvPr>
-          <p:cNvPicPr>
-            <a:picLocks noGrp="1" noChangeAspect="1"/>
-          </p:cNvPicPr>
-          <p:nvPr>
-            <p:ph type="pic" sz="quarter" idx="13"/>
-          </p:nvPr>
-        </p:nvPicPr>
-        <p:blipFill>
-          <a:blip r:embed="rId3">
-            <a:extLst>
-              <a:ext uri="{28A0092B-C50C-407E-A947-70E740481C1C}">
-                <a14:useLocalDpi xmlns:a14="http://schemas.microsoft.com/office/drawing/2010/main" val="0"/>
-              </a:ext>
-            </a:extLst>
-          </a:blip>
-          <a:srcRect/>
-          <a:stretch>
-            <a:fillRect/>
-          </a:stretch>
-        </p:blipFill>
-        <p:spPr/>
-      </p:pic>
-      <p:sp>
-        <p:nvSpPr>
-          <p:cNvPr id="9" name="Text Placeholder 8">
-            <a:extLst>
-              <a:ext uri="{FF2B5EF4-FFF2-40B4-BE49-F238E27FC236}">
-                <a16:creationId xmlns:a16="http://schemas.microsoft.com/office/drawing/2014/main" id="{76767661-63CB-A645-82F2-3B860E338B67}"/>
-              </a:ext>
-            </a:extLst>
-          </p:cNvPr>
-          <p:cNvSpPr>
-            <a:spLocks noGrp="1"/>
-          </p:cNvSpPr>
-          <p:nvPr>
-            <p:ph type="body" sz="quarter" idx="11"/>
-          </p:nvPr>
-        </p:nvSpPr>
-        <p:spPr/>
-        <p:txBody>
-          <a:bodyPr/>
-          <a:lstStyle/>
-          <a:p>
-            <a:r>
-              <a:rPr lang="en-US" b="1" dirty="0"/>
-              <a:t>Contoso  </a:t>
-            </a:r>
-            <a:r>
-              <a:rPr lang="en-US" dirty="0"/>
-              <a:t>  </a:t>
-            </a:r>
-          </a:p>
-          <a:p>
-            <a:r>
-              <a:rPr lang="en-US" dirty="0"/>
-              <a:t>sales@contoso.com</a:t>
-            </a:r>
-          </a:p>
-        </p:txBody>
-      </p:sp>
-    </p:spTree>
-    <p:extLst>
-      <p:ext uri="{BB962C8B-B14F-4D97-AF65-F5344CB8AC3E}">
-        <p14:creationId xmlns:p14="http://schemas.microsoft.com/office/powerpoint/2010/main" val="2336677316"/>
       </p:ext>
     </p:extLst>
   </p:cSld>
@@ -18924,8 +15004,8 @@
           </a:p>
         </p:txBody>
       </p:sp>
-      <mc:AlternateContent xmlns:mc="http://schemas.openxmlformats.org/markup-compatibility/2006">
-        <mc:Choice xmlns:a14="http://schemas.microsoft.com/office/drawing/2010/main" Requires="a14">
+      <mc:AlternateContent xmlns:mc="http://schemas.openxmlformats.org/markup-compatibility/2006" xmlns:a14="http://schemas.microsoft.com/office/drawing/2010/main">
+        <mc:Choice Requires="a14">
           <p:sp>
             <p:nvSpPr>
               <p:cNvPr id="4" name="ZoneTexte 3">
@@ -19134,7 +15214,7 @@
             </p:txBody>
           </p:sp>
         </mc:Choice>
-        <mc:Fallback>
+        <mc:Fallback xmlns="">
           <p:sp>
             <p:nvSpPr>
               <p:cNvPr id="4" name="ZoneTexte 3">
@@ -19179,8 +15259,8 @@
           </p:sp>
         </mc:Fallback>
       </mc:AlternateContent>
-      <mc:AlternateContent xmlns:mc="http://schemas.openxmlformats.org/markup-compatibility/2006">
-        <mc:Choice xmlns:a14="http://schemas.microsoft.com/office/drawing/2010/main" Requires="a14">
+      <mc:AlternateContent xmlns:mc="http://schemas.openxmlformats.org/markup-compatibility/2006" xmlns:a14="http://schemas.microsoft.com/office/drawing/2010/main">
+        <mc:Choice Requires="a14">
           <p:sp>
             <p:nvSpPr>
               <p:cNvPr id="10" name="ZoneTexte 9">
@@ -19356,7 +15436,7 @@
             </p:txBody>
           </p:sp>
         </mc:Choice>
-        <mc:Fallback>
+        <mc:Fallback xmlns="">
           <p:sp>
             <p:nvSpPr>
               <p:cNvPr id="10" name="ZoneTexte 9">
@@ -19455,8 +15535,8 @@
           </a:p>
         </p:txBody>
       </p:sp>
-      <mc:AlternateContent xmlns:mc="http://schemas.openxmlformats.org/markup-compatibility/2006">
-        <mc:Choice xmlns:a14="http://schemas.microsoft.com/office/drawing/2010/main" Requires="a14">
+      <mc:AlternateContent xmlns:mc="http://schemas.openxmlformats.org/markup-compatibility/2006" xmlns:a14="http://schemas.microsoft.com/office/drawing/2010/main">
+        <mc:Choice Requires="a14">
           <p:sp>
             <p:nvSpPr>
               <p:cNvPr id="5" name="ZoneTexte 4">
@@ -19485,6 +15565,7 @@
               </a:bodyPr>
               <a:lstStyle/>
               <a:p>
+                <a:pPr/>
                 <a14:m>
                   <m:oMathPara xmlns:m="http://schemas.openxmlformats.org/officeDocument/2006/math">
                     <m:oMathParaPr>
@@ -19699,7 +15780,7 @@
             </p:txBody>
           </p:sp>
         </mc:Choice>
-        <mc:Fallback>
+        <mc:Fallback xmlns="">
           <p:sp>
             <p:nvSpPr>
               <p:cNvPr id="5" name="ZoneTexte 4">
@@ -19798,8 +15879,8 @@
           </a:p>
         </p:txBody>
       </p:sp>
-      <mc:AlternateContent xmlns:mc="http://schemas.openxmlformats.org/markup-compatibility/2006">
-        <mc:Choice xmlns:a14="http://schemas.microsoft.com/office/drawing/2010/main" Requires="a14">
+      <mc:AlternateContent xmlns:mc="http://schemas.openxmlformats.org/markup-compatibility/2006" xmlns:a14="http://schemas.microsoft.com/office/drawing/2010/main">
+        <mc:Choice Requires="a14">
           <p:sp>
             <p:nvSpPr>
               <p:cNvPr id="13" name="ZoneTexte 12">
@@ -19828,6 +15909,7 @@
               </a:bodyPr>
               <a:lstStyle/>
               <a:p>
+                <a:pPr/>
                 <a14:m>
                   <m:oMathPara xmlns:m="http://schemas.openxmlformats.org/officeDocument/2006/math">
                     <m:oMathParaPr>
@@ -20007,7 +16089,7 @@
             </p:txBody>
           </p:sp>
         </mc:Choice>
-        <mc:Fallback>
+        <mc:Fallback xmlns="">
           <p:sp>
             <p:nvSpPr>
               <p:cNvPr id="13" name="ZoneTexte 12">
@@ -21173,14 +17255,6 @@
 <file path=ppt/slides/slide9.xml><?xml version="1.0" encoding="utf-8"?>
 <p:sld xmlns:a="http://schemas.openxmlformats.org/drawingml/2006/main" xmlns:r="http://schemas.openxmlformats.org/officeDocument/2006/relationships" xmlns:p="http://schemas.openxmlformats.org/presentationml/2006/main">
   <p:cSld>
-    <p:bg>
-      <p:bgPr>
-        <a:solidFill>
-          <a:schemeClr val="accent2"/>
-        </a:solidFill>
-        <a:effectLst/>
-      </p:bgPr>
-    </p:bg>
     <p:spTree>
       <p:nvGrpSpPr>
         <p:cNvPr id="1" name=""/>
@@ -21195,46 +17269,12 @@
           <a:chExt cx="0" cy="0"/>
         </a:xfrm>
       </p:grpSpPr>
-      <p:pic>
-        <p:nvPicPr>
-          <p:cNvPr id="20" name="Picture Placeholder 19" descr="Seedling Black and white close up">
-            <a:extLst>
-              <a:ext uri="{FF2B5EF4-FFF2-40B4-BE49-F238E27FC236}">
-                <a16:creationId xmlns:a16="http://schemas.microsoft.com/office/drawing/2014/main" id="{12F007AF-B3B3-4BBC-9990-D46E31738B7C}"/>
-              </a:ext>
-            </a:extLst>
-          </p:cNvPr>
-          <p:cNvPicPr>
-            <a:picLocks noGrp="1" noChangeAspect="1"/>
-          </p:cNvPicPr>
-          <p:nvPr>
-            <p:ph type="pic" sz="quarter" idx="13"/>
-          </p:nvPr>
-        </p:nvPicPr>
-        <p:blipFill rotWithShape="1">
-          <a:blip r:embed="rId3">
-            <a:extLst>
-              <a:ext uri="{28A0092B-C50C-407E-A947-70E740481C1C}">
-                <a14:useLocalDpi xmlns:a14="http://schemas.microsoft.com/office/drawing/2010/main" val="0"/>
-              </a:ext>
-            </a:extLst>
-          </a:blip>
-          <a:srcRect/>
-          <a:stretch/>
-        </p:blipFill>
-        <p:spPr>
-          <a:xfrm>
-            <a:off x="0" y="0"/>
-            <a:ext cx="12192000" cy="6858000"/>
-          </a:xfrm>
-        </p:spPr>
-      </p:pic>
       <p:sp>
         <p:nvSpPr>
           <p:cNvPr id="2" name="Title 1">
             <a:extLst>
               <a:ext uri="{FF2B5EF4-FFF2-40B4-BE49-F238E27FC236}">
-                <a16:creationId xmlns:a16="http://schemas.microsoft.com/office/drawing/2014/main" id="{A8704A28-E62C-2E4A-A2A4-AD85CB6126A2}"/>
+                <a16:creationId xmlns:a16="http://schemas.microsoft.com/office/drawing/2014/main" id="{737728DC-195E-4A4E-AEBA-5E0D1DB03B76}"/>
               </a:ext>
             </a:extLst>
           </p:cNvPr>
@@ -21247,71 +17287,93 @@
         </p:nvSpPr>
         <p:spPr>
           <a:xfrm>
-            <a:off x="7193943" y="3045437"/>
-            <a:ext cx="4941477" cy="610863"/>
+            <a:off x="964022" y="2476500"/>
+            <a:ext cx="7227478" cy="3289971"/>
           </a:xfrm>
         </p:spPr>
         <p:txBody>
-          <a:bodyPr/>
+          <a:bodyPr>
+            <a:normAutofit fontScale="90000"/>
+          </a:bodyPr>
           <a:lstStyle/>
           <a:p>
             <a:r>
+              <a:rPr lang="en-US" sz="1600" dirty="0">
+                <a:hlinkClick r:id="rId2"/>
+              </a:rPr>
+              <a:t>https://www.youtube.com/watch?v=Q_1M2JaijjQ&amp;ab_channel=Reducible</a:t>
+            </a:r>
+            <a:br>
+              <a:rPr lang="en-US" sz="1600" dirty="0"/>
+            </a:br>
+            <a:br>
+              <a:rPr lang="en-US" sz="1600" dirty="0"/>
+            </a:br>
+            <a:r>
+              <a:rPr lang="en-US" sz="1600" dirty="0">
+                <a:hlinkClick r:id="rId3"/>
+              </a:rPr>
+              <a:t>https://slideplayer.com/slide/14952628/</a:t>
+            </a:r>
+            <a:r>
+              <a:rPr lang="en-US" sz="1600" dirty="0"/>
+              <a:t> </a:t>
+            </a:r>
+            <a:br>
+              <a:rPr lang="en-US" sz="1600" dirty="0"/>
+            </a:br>
+            <a:br>
+              <a:rPr lang="en-US" sz="1600" dirty="0"/>
+            </a:br>
+            <a:r>
+              <a:rPr lang="en-US" sz="1600" dirty="0">
+                <a:hlinkClick r:id="rId4"/>
+              </a:rPr>
+              <a:t>https://medium.com/dataseries/how-to-calculate-time-complexity-with-big-o-notation-9afe33aa4c46</a:t>
+            </a:r>
+            <a:r>
+              <a:rPr lang="en-US" sz="1600" dirty="0"/>
+              <a:t> </a:t>
+            </a:r>
+            <a:br>
+              <a:rPr lang="en-US" sz="1600" dirty="0"/>
+            </a:br>
+            <a:br>
+              <a:rPr lang="en-US" sz="1600" dirty="0"/>
+            </a:br>
+            <a:r>
+              <a:rPr lang="en-US" sz="1600" dirty="0">
+                <a:hlinkClick r:id="rId5"/>
+              </a:rPr>
+              <a:t>https://www.youtube.com/watch?v=6aDHWSNKlVw&amp;ab_channel=TechWithTim</a:t>
+            </a:r>
+            <a:br>
+              <a:rPr lang="en-US" sz="1600" dirty="0"/>
+            </a:br>
+            <a:br>
+              <a:rPr lang="en-US" sz="1600" dirty="0"/>
+            </a:br>
+            <a:r>
+              <a:rPr lang="en-US" sz="1600" dirty="0">
+                <a:hlinkClick r:id="rId6"/>
+              </a:rPr>
+              <a:t>https://www.youtube.com/watch?v=Mo4vesaut8g&amp;ab_channel=freeCodeCamp.org</a:t>
+            </a:r>
+            <a:r>
+              <a:rPr lang="en-US" sz="1600" dirty="0"/>
+              <a:t>  </a:t>
+            </a:r>
+            <a:br>
               <a:rPr lang="en-US" dirty="0"/>
-              <a:t>Last year</a:t>
-            </a:r>
+            </a:br>
+            <a:endParaRPr lang="en-US" dirty="0"/>
           </a:p>
         </p:txBody>
       </p:sp>
-      <p:cxnSp>
-        <p:nvCxnSpPr>
-          <p:cNvPr id="6" name="Straight Connector 5">
-            <a:extLst>
-              <a:ext uri="{FF2B5EF4-FFF2-40B4-BE49-F238E27FC236}">
-                <a16:creationId xmlns:a16="http://schemas.microsoft.com/office/drawing/2014/main" id="{4D6EE753-BEBB-4348-896E-73627FDDCF64}"/>
-              </a:ext>
-              <a:ext uri="{C183D7F6-B498-43B3-948B-1728B52AA6E4}">
-                <adec:decorative xmlns:adec="http://schemas.microsoft.com/office/drawing/2017/decorative" val="1"/>
-              </a:ext>
-            </a:extLst>
-          </p:cNvPr>
-          <p:cNvCxnSpPr>
-            <a:cxnSpLocks/>
-          </p:cNvCxnSpPr>
-          <p:nvPr/>
-        </p:nvCxnSpPr>
-        <p:spPr>
-          <a:xfrm>
-            <a:off x="7194680" y="4003877"/>
-            <a:ext cx="2133600" cy="3992"/>
-          </a:xfrm>
-          <a:prstGeom prst="line">
-            <a:avLst/>
-          </a:prstGeom>
-          <a:ln w="101600">
-            <a:solidFill>
-              <a:schemeClr val="tx2"/>
-            </a:solidFill>
-          </a:ln>
-        </p:spPr>
-        <p:style>
-          <a:lnRef idx="1">
-            <a:schemeClr val="dk1"/>
-          </a:lnRef>
-          <a:fillRef idx="0">
-            <a:schemeClr val="dk1"/>
-          </a:fillRef>
-          <a:effectRef idx="0">
-            <a:schemeClr val="dk1"/>
-          </a:effectRef>
-          <a:fontRef idx="minor">
-            <a:schemeClr val="tx1"/>
-          </a:fontRef>
-        </p:style>
-      </p:cxnSp>
     </p:spTree>
     <p:extLst>
       <p:ext uri="{BB962C8B-B14F-4D97-AF65-F5344CB8AC3E}">
-        <p14:creationId xmlns:p14="http://schemas.microsoft.com/office/powerpoint/2010/main" val="2105465797"/>
+        <p14:creationId xmlns:p14="http://schemas.microsoft.com/office/powerpoint/2010/main" val="2184356687"/>
       </p:ext>
     </p:extLst>
   </p:cSld>
@@ -22113,21 +18175,21 @@
 </file>
 
 <file path=customXml/item1.xml><?xml version="1.0" encoding="utf-8"?>
+<p:properties xmlns:p="http://schemas.microsoft.com/office/2006/metadata/properties" xmlns:xsi="http://www.w3.org/2001/XMLSchema-instance" xmlns:pc="http://schemas.microsoft.com/office/infopath/2007/PartnerControls">
+  <documentManagement>
+    <Status xmlns="71af3243-3dd4-4a8d-8c0d-dd76da1f02a5">Not started</Status>
+    <MediaServiceKeyPoints xmlns="71af3243-3dd4-4a8d-8c0d-dd76da1f02a5" xsi:nil="true"/>
+  </documentManagement>
+</p:properties>
+</file>
+
+<file path=customXml/item2.xml><?xml version="1.0" encoding="utf-8"?>
 <?mso-contentType ?>
 <FormTemplates xmlns="http://schemas.microsoft.com/sharepoint/v3/contenttype/forms">
   <Display>DocumentLibraryForm</Display>
   <Edit>DocumentLibraryForm</Edit>
   <New>DocumentLibraryForm</New>
 </FormTemplates>
-</file>
-
-<file path=customXml/item2.xml><?xml version="1.0" encoding="utf-8"?>
-<p:properties xmlns:p="http://schemas.microsoft.com/office/2006/metadata/properties" xmlns:xsi="http://www.w3.org/2001/XMLSchema-instance" xmlns:pc="http://schemas.microsoft.com/office/infopath/2007/PartnerControls">
-  <documentManagement>
-    <Status xmlns="71af3243-3dd4-4a8d-8c0d-dd76da1f02a5">Not started</Status>
-    <MediaServiceKeyPoints xmlns="71af3243-3dd4-4a8d-8c0d-dd76da1f02a5" xsi:nil="true"/>
-  </documentManagement>
-</p:properties>
 </file>
 
 <file path=customXml/item3.xml><?xml version="1.0" encoding="utf-8"?>
@@ -22352,19 +18414,19 @@
 </file>
 
 <file path=customXml/itemProps1.xml><?xml version="1.0" encoding="utf-8"?>
-<ds:datastoreItem xmlns:ds="http://schemas.openxmlformats.org/officeDocument/2006/customXml" ds:itemID="{1D20B6E4-879E-4E6C-BDE7-261540CD3765}">
+<ds:datastoreItem xmlns:ds="http://schemas.openxmlformats.org/officeDocument/2006/customXml" ds:itemID="{09EC1AB0-9704-404D-B6D3-819D938AC55B}">
   <ds:schemaRefs>
-    <ds:schemaRef ds:uri="http://schemas.microsoft.com/sharepoint/v3/contenttype/forms"/>
+    <ds:schemaRef ds:uri="http://schemas.microsoft.com/office/2006/metadata/properties"/>
+    <ds:schemaRef ds:uri="http://schemas.microsoft.com/office/infopath/2007/PartnerControls"/>
+    <ds:schemaRef ds:uri="71af3243-3dd4-4a8d-8c0d-dd76da1f02a5"/>
   </ds:schemaRefs>
 </ds:datastoreItem>
 </file>
 
 <file path=customXml/itemProps2.xml><?xml version="1.0" encoding="utf-8"?>
-<ds:datastoreItem xmlns:ds="http://schemas.openxmlformats.org/officeDocument/2006/customXml" ds:itemID="{09EC1AB0-9704-404D-B6D3-819D938AC55B}">
+<ds:datastoreItem xmlns:ds="http://schemas.openxmlformats.org/officeDocument/2006/customXml" ds:itemID="{1D20B6E4-879E-4E6C-BDE7-261540CD3765}">
   <ds:schemaRefs>
-    <ds:schemaRef ds:uri="http://schemas.microsoft.com/office/2006/metadata/properties"/>
-    <ds:schemaRef ds:uri="http://schemas.microsoft.com/office/infopath/2007/PartnerControls"/>
-    <ds:schemaRef ds:uri="71af3243-3dd4-4a8d-8c0d-dd76da1f02a5"/>
+    <ds:schemaRef ds:uri="http://schemas.microsoft.com/sharepoint/v3/contenttype/forms"/>
   </ds:schemaRefs>
 </ds:datastoreItem>
 </file>
